--- a/DataScience/Machine_Learning_Overview.pptx
+++ b/DataScience/Machine_Learning_Overview.pptx
@@ -6,16 +6,28 @@
   </p:sldMasterIdLst>
   <p:sldIdLst>
     <p:sldId id="256" r:id="rId2"/>
-    <p:sldId id="264" r:id="rId3"/>
-    <p:sldId id="265" r:id="rId4"/>
-    <p:sldId id="257" r:id="rId5"/>
-    <p:sldId id="258" r:id="rId6"/>
-    <p:sldId id="259" r:id="rId7"/>
-    <p:sldId id="260" r:id="rId8"/>
-    <p:sldId id="266" r:id="rId9"/>
-    <p:sldId id="261" r:id="rId10"/>
-    <p:sldId id="262" r:id="rId11"/>
-    <p:sldId id="263" r:id="rId12"/>
+    <p:sldId id="265" r:id="rId3"/>
+    <p:sldId id="257" r:id="rId4"/>
+    <p:sldId id="258" r:id="rId5"/>
+    <p:sldId id="267" r:id="rId6"/>
+    <p:sldId id="268" r:id="rId7"/>
+    <p:sldId id="259" r:id="rId8"/>
+    <p:sldId id="260" r:id="rId9"/>
+    <p:sldId id="266" r:id="rId10"/>
+    <p:sldId id="269" r:id="rId11"/>
+    <p:sldId id="270" r:id="rId12"/>
+    <p:sldId id="271" r:id="rId13"/>
+    <p:sldId id="272" r:id="rId14"/>
+    <p:sldId id="273" r:id="rId15"/>
+    <p:sldId id="274" r:id="rId16"/>
+    <p:sldId id="275" r:id="rId17"/>
+    <p:sldId id="276" r:id="rId18"/>
+    <p:sldId id="277" r:id="rId19"/>
+    <p:sldId id="278" r:id="rId20"/>
+    <p:sldId id="279" r:id="rId21"/>
+    <p:sldId id="261" r:id="rId22"/>
+    <p:sldId id="262" r:id="rId23"/>
+    <p:sldId id="263" r:id="rId24"/>
   </p:sldIdLst>
   <p:sldSz cx="9144000" cy="6858000" type="screen4x3"/>
   <p:notesSz cx="6858000" cy="9144000"/>
@@ -464,7 +476,7 @@
           <a:p>
             <a:fld id="{5BCAD085-E8A6-8845-BD4E-CB4CCA059FC4}" type="datetimeFigureOut">
               <a:rPr lang="en-US" smtClean="0"/>
-              <a:t>10/24/2025</a:t>
+              <a:t>10/29/2025</a:t>
             </a:fld>
             <a:endParaRPr lang="en-US"/>
           </a:p>
@@ -788,7 +800,7 @@
           <a:p>
             <a:fld id="{5BCAD085-E8A6-8845-BD4E-CB4CCA059FC4}" type="datetimeFigureOut">
               <a:rPr lang="en-US" smtClean="0"/>
-              <a:t>10/24/2025</a:t>
+              <a:t>10/29/2025</a:t>
             </a:fld>
             <a:endParaRPr lang="en-US"/>
           </a:p>
@@ -1036,7 +1048,7 @@
           <a:p>
             <a:fld id="{5BCAD085-E8A6-8845-BD4E-CB4CCA059FC4}" type="datetimeFigureOut">
               <a:rPr lang="en-US" smtClean="0"/>
-              <a:t>10/24/2025</a:t>
+              <a:t>10/29/2025</a:t>
             </a:fld>
             <a:endParaRPr lang="en-US"/>
           </a:p>
@@ -1375,7 +1387,7 @@
           <a:p>
             <a:fld id="{5BCAD085-E8A6-8845-BD4E-CB4CCA059FC4}" type="datetimeFigureOut">
               <a:rPr lang="en-US" smtClean="0"/>
-              <a:t>10/24/2025</a:t>
+              <a:t>10/29/2025</a:t>
             </a:fld>
             <a:endParaRPr lang="en-US"/>
           </a:p>
@@ -1722,7 +1734,7 @@
           <a:p>
             <a:fld id="{5BCAD085-E8A6-8845-BD4E-CB4CCA059FC4}" type="datetimeFigureOut">
               <a:rPr lang="en-US" smtClean="0"/>
-              <a:t>10/24/2025</a:t>
+              <a:t>10/29/2025</a:t>
             </a:fld>
             <a:endParaRPr lang="en-US"/>
           </a:p>
@@ -2096,7 +2108,7 @@
           <a:p>
             <a:fld id="{5BCAD085-E8A6-8845-BD4E-CB4CCA059FC4}" type="datetimeFigureOut">
               <a:rPr lang="en-US" smtClean="0"/>
-              <a:t>10/24/2025</a:t>
+              <a:t>10/29/2025</a:t>
             </a:fld>
             <a:endParaRPr lang="en-US"/>
           </a:p>
@@ -2566,7 +2578,7 @@
           <a:p>
             <a:fld id="{5BCAD085-E8A6-8845-BD4E-CB4CCA059FC4}" type="datetimeFigureOut">
               <a:rPr lang="en-US" smtClean="0"/>
-              <a:t>10/24/2025</a:t>
+              <a:t>10/29/2025</a:t>
             </a:fld>
             <a:endParaRPr lang="en-US"/>
           </a:p>
@@ -2776,7 +2788,7 @@
           <a:p>
             <a:fld id="{5BCAD085-E8A6-8845-BD4E-CB4CCA059FC4}" type="datetimeFigureOut">
               <a:rPr lang="en-US" smtClean="0"/>
-              <a:t>10/24/2025</a:t>
+              <a:t>10/29/2025</a:t>
             </a:fld>
             <a:endParaRPr lang="en-US"/>
           </a:p>
@@ -2987,7 +2999,7 @@
           <a:p>
             <a:fld id="{5BCAD085-E8A6-8845-BD4E-CB4CCA059FC4}" type="datetimeFigureOut">
               <a:rPr lang="en-US" smtClean="0"/>
-              <a:t>10/24/2025</a:t>
+              <a:t>10/29/2025</a:t>
             </a:fld>
             <a:endParaRPr lang="en-US"/>
           </a:p>
@@ -3219,7 +3231,7 @@
           <a:p>
             <a:fld id="{5BCAD085-E8A6-8845-BD4E-CB4CCA059FC4}" type="datetimeFigureOut">
               <a:rPr lang="en-US" smtClean="0"/>
-              <a:t>10/24/2025</a:t>
+              <a:t>10/29/2025</a:t>
             </a:fld>
             <a:endParaRPr lang="en-US"/>
           </a:p>
@@ -3467,7 +3479,7 @@
           <a:p>
             <a:fld id="{5BCAD085-E8A6-8845-BD4E-CB4CCA059FC4}" type="datetimeFigureOut">
               <a:rPr lang="en-US" smtClean="0"/>
-              <a:t>10/24/2025</a:t>
+              <a:t>10/29/2025</a:t>
             </a:fld>
             <a:endParaRPr lang="en-US"/>
           </a:p>
@@ -3770,7 +3782,7 @@
           <a:p>
             <a:fld id="{5BCAD085-E8A6-8845-BD4E-CB4CCA059FC4}" type="datetimeFigureOut">
               <a:rPr lang="en-US" smtClean="0"/>
-              <a:t>10/24/2025</a:t>
+              <a:t>10/29/2025</a:t>
             </a:fld>
             <a:endParaRPr lang="en-US"/>
           </a:p>
@@ -4152,7 +4164,7 @@
           <a:p>
             <a:fld id="{5BCAD085-E8A6-8845-BD4E-CB4CCA059FC4}" type="datetimeFigureOut">
               <a:rPr lang="en-US" smtClean="0"/>
-              <a:t>10/24/2025</a:t>
+              <a:t>10/29/2025</a:t>
             </a:fld>
             <a:endParaRPr lang="en-US"/>
           </a:p>
@@ -4306,7 +4318,7 @@
           <a:p>
             <a:fld id="{5BCAD085-E8A6-8845-BD4E-CB4CCA059FC4}" type="datetimeFigureOut">
               <a:rPr lang="en-US" smtClean="0"/>
-              <a:t>10/24/2025</a:t>
+              <a:t>10/29/2025</a:t>
             </a:fld>
             <a:endParaRPr lang="en-US"/>
           </a:p>
@@ -4432,7 +4444,7 @@
           <a:p>
             <a:fld id="{5BCAD085-E8A6-8845-BD4E-CB4CCA059FC4}" type="datetimeFigureOut">
               <a:rPr lang="en-US" smtClean="0"/>
-              <a:t>10/24/2025</a:t>
+              <a:t>10/29/2025</a:t>
             </a:fld>
             <a:endParaRPr lang="en-US"/>
           </a:p>
@@ -4687,7 +4699,7 @@
           <a:p>
             <a:fld id="{5BCAD085-E8A6-8845-BD4E-CB4CCA059FC4}" type="datetimeFigureOut">
               <a:rPr lang="en-US" smtClean="0"/>
-              <a:t>10/24/2025</a:t>
+              <a:t>10/29/2025</a:t>
             </a:fld>
             <a:endParaRPr lang="en-US"/>
           </a:p>
@@ -5001,7 +5013,7 @@
           <a:p>
             <a:fld id="{5BCAD085-E8A6-8845-BD4E-CB4CCA059FC4}" type="datetimeFigureOut">
               <a:rPr lang="en-US" smtClean="0"/>
-              <a:t>10/24/2025</a:t>
+              <a:t>10/29/2025</a:t>
             </a:fld>
             <a:endParaRPr lang="en-US"/>
           </a:p>
@@ -5352,7 +5364,7 @@
           <a:p>
             <a:fld id="{5BCAD085-E8A6-8845-BD4E-CB4CCA059FC4}" type="datetimeFigureOut">
               <a:rPr lang="en-US" smtClean="0"/>
-              <a:t>10/24/2025</a:t>
+              <a:t>10/29/2025</a:t>
             </a:fld>
             <a:endParaRPr lang="en-US"/>
           </a:p>
@@ -5911,6 +5923,7 @@
           <a:lstStyle/>
           <a:p>
             <a:r>
+              <a:rPr dirty="0"/>
               <a:t>Machine Learning</a:t>
             </a:r>
           </a:p>
@@ -6016,7 +6029,122 @@
       </p:grpSpPr>
       <p:sp>
         <p:nvSpPr>
-          <p:cNvPr id="2" name="Title 1"/>
+          <p:cNvPr id="4" name="Rectangle 3"/>
+          <p:cNvSpPr/>
+          <p:nvPr/>
+        </p:nvSpPr>
+        <p:spPr>
+          <a:xfrm>
+            <a:off x="836341" y="2453268"/>
+            <a:ext cx="7593981" cy="3354765"/>
+          </a:xfrm>
+          <a:prstGeom prst="rect">
+            <a:avLst/>
+          </a:prstGeom>
+        </p:spPr>
+        <p:txBody>
+          <a:bodyPr wrap="square">
+            <a:spAutoFit/>
+          </a:bodyPr>
+          <a:lstStyle/>
+          <a:p>
+            <a:pPr algn="ctr"/>
+            <a:r>
+              <a:rPr lang="en-US" sz="3200" b="1" dirty="0" smtClean="0"/>
+              <a:t>1</a:t>
+            </a:r>
+            <a:r>
+              <a:rPr lang="en-US" sz="3200" b="1" dirty="0"/>
+              <a:t>. Define the Problem</a:t>
+            </a:r>
+          </a:p>
+          <a:p>
+            <a:pPr>
+              <a:buFont typeface="Arial" panose="020B0604020202020204" pitchFamily="34" charset="0"/>
+              <a:buChar char="•"/>
+            </a:pPr>
+            <a:r>
+              <a:rPr lang="en-US" dirty="0"/>
+              <a:t>Clearly state what you want to predict or discover.</a:t>
+            </a:r>
+          </a:p>
+          <a:p>
+            <a:pPr>
+              <a:buFont typeface="Arial" panose="020B0604020202020204" pitchFamily="34" charset="0"/>
+              <a:buChar char="•"/>
+            </a:pPr>
+            <a:r>
+              <a:rPr lang="en-US" dirty="0"/>
+              <a:t>Identify whether it’s:</a:t>
+            </a:r>
+          </a:p>
+          <a:p>
+            <a:pPr marL="742950" lvl="1" indent="-285750">
+              <a:buFont typeface="Arial" panose="020B0604020202020204" pitchFamily="34" charset="0"/>
+              <a:buChar char="•"/>
+            </a:pPr>
+            <a:r>
+              <a:rPr lang="en-US" b="1" dirty="0"/>
+              <a:t>Supervised learning</a:t>
+            </a:r>
+            <a:r>
+              <a:rPr lang="en-US" dirty="0"/>
+              <a:t> (known labels → regression/classification)</a:t>
+            </a:r>
+          </a:p>
+          <a:p>
+            <a:pPr marL="742950" lvl="1" indent="-285750">
+              <a:buFont typeface="Arial" panose="020B0604020202020204" pitchFamily="34" charset="0"/>
+              <a:buChar char="•"/>
+            </a:pPr>
+            <a:r>
+              <a:rPr lang="en-US" b="1" dirty="0"/>
+              <a:t>Unsupervised learning</a:t>
+            </a:r>
+            <a:r>
+              <a:rPr lang="en-US" dirty="0"/>
+              <a:t> (no labels → clustering/dimensionality reduction)</a:t>
+            </a:r>
+          </a:p>
+          <a:p>
+            <a:pPr marL="742950" lvl="1" indent="-285750">
+              <a:buFont typeface="Arial" panose="020B0604020202020204" pitchFamily="34" charset="0"/>
+              <a:buChar char="•"/>
+            </a:pPr>
+            <a:r>
+              <a:rPr lang="en-US" b="1" dirty="0"/>
+              <a:t>Reinforcement learning</a:t>
+            </a:r>
+            <a:r>
+              <a:rPr lang="en-US" dirty="0"/>
+              <a:t> (learn from reward/punishment)</a:t>
+            </a:r>
+          </a:p>
+          <a:p>
+            <a:endParaRPr lang="en-US" dirty="0" smtClean="0"/>
+          </a:p>
+          <a:p>
+            <a:endParaRPr lang="en-US" dirty="0" smtClean="0"/>
+          </a:p>
+          <a:p>
+            <a:r>
+              <a:rPr lang="en-US" dirty="0" smtClean="0"/>
+              <a:t> </a:t>
+            </a:r>
+            <a:r>
+              <a:rPr lang="en-US" i="1" dirty="0"/>
+              <a:t>Example:</a:t>
+            </a:r>
+            <a:r>
+              <a:rPr lang="en-US" dirty="0"/>
+              <a:t> Predict house prices (regression), classify spam emails (classification), or group customers (clustering).</a:t>
+            </a:r>
+          </a:p>
+        </p:txBody>
+      </p:sp>
+      <p:sp>
+        <p:nvSpPr>
+          <p:cNvPr id="5" name="Title 4"/>
           <p:cNvSpPr>
             <a:spLocks noGrp="1"/>
           </p:cNvSpPr>
@@ -6024,64 +6152,43 @@
             <p:ph type="title"/>
           </p:nvPr>
         </p:nvSpPr>
-        <p:spPr/>
-        <p:txBody>
-          <a:bodyPr/>
+        <p:spPr>
+          <a:xfrm>
+            <a:off x="423746" y="915337"/>
+            <a:ext cx="7895063" cy="1303867"/>
+          </a:xfrm>
+        </p:spPr>
+        <p:txBody>
+          <a:bodyPr>
+            <a:normAutofit/>
+          </a:bodyPr>
           <a:lstStyle/>
           <a:p>
             <a:r>
-              <a:t>Why Choose Python for ML</a:t>
-            </a:r>
-          </a:p>
-        </p:txBody>
-      </p:sp>
-      <p:sp>
-        <p:nvSpPr>
-          <p:cNvPr id="3" name="Content Placeholder 2"/>
-          <p:cNvSpPr>
-            <a:spLocks noGrp="1"/>
-          </p:cNvSpPr>
-          <p:nvPr>
-            <p:ph idx="1"/>
-          </p:nvPr>
-        </p:nvSpPr>
-        <p:spPr/>
-        <p:txBody>
-          <a:bodyPr/>
-          <a:lstStyle/>
-          <a:p>
-            <a:r>
-              <a:rPr dirty="0"/>
-              <a:t>🟩 Richest ML ecosystem</a:t>
-            </a:r>
-          </a:p>
-          <a:p>
-            <a:r>
-              <a:rPr dirty="0"/>
-              <a:t>🟦 Fastest learning curve</a:t>
-            </a:r>
-          </a:p>
-          <a:p>
-            <a:r>
-              <a:rPr dirty="0"/>
-              <a:t>🟨 Industry standard for ML</a:t>
-            </a:r>
-          </a:p>
-          <a:p>
-            <a:r>
-              <a:rPr dirty="0"/>
-              <a:t>🟧 Superior visualization tools</a:t>
-            </a:r>
-          </a:p>
-          <a:p>
-            <a:r>
-              <a:rPr dirty="0"/>
-              <a:t>🟥 Easy integration with .NET via ONNX</a:t>
-            </a:r>
+              <a:rPr lang="en-US" sz="2700" b="1" dirty="0"/>
+              <a:t>General Flow for Any Machine Learning Project</a:t>
+            </a:r>
+            <a:r>
+              <a:rPr lang="en-US" b="1" dirty="0"/>
+              <a:t/>
+            </a:r>
+            <a:br>
+              <a:rPr lang="en-US" b="1" dirty="0"/>
+            </a:br>
+            <a:r>
+              <a:rPr lang="en-US" sz="1600" dirty="0"/>
+              <a:t>Problem → Data → Clean → Split → Model → Train → Predict → Evaluate → Tune → Deploy → Monitor</a:t>
+            </a:r>
+            <a:endParaRPr lang="en-US" sz="3200" dirty="0"/>
           </a:p>
         </p:txBody>
       </p:sp>
     </p:spTree>
+    <p:extLst>
+      <p:ext uri="{BB962C8B-B14F-4D97-AF65-F5344CB8AC3E}">
+        <p14:creationId xmlns:p14="http://schemas.microsoft.com/office/powerpoint/2010/main" val="2321642137"/>
+      </p:ext>
+    </p:extLst>
   </p:cSld>
   <p:clrMapOvr>
     <a:masterClrMapping/>
@@ -6108,77 +6215,2198 @@
       </p:grpSpPr>
       <p:sp>
         <p:nvSpPr>
-          <p:cNvPr id="2" name="Title 1"/>
-          <p:cNvSpPr>
-            <a:spLocks noGrp="1"/>
-          </p:cNvSpPr>
-          <p:nvPr>
-            <p:ph type="title"/>
-          </p:nvPr>
-        </p:nvSpPr>
-        <p:spPr/>
-        <p:txBody>
-          <a:bodyPr/>
-          <a:lstStyle/>
-          <a:p>
-            <a:r>
-              <a:t>Popular ML Libraries</a:t>
-            </a:r>
-          </a:p>
-        </p:txBody>
-      </p:sp>
-      <p:sp>
-        <p:nvSpPr>
-          <p:cNvPr id="3" name="Content Placeholder 2"/>
-          <p:cNvSpPr>
-            <a:spLocks noGrp="1"/>
-          </p:cNvSpPr>
-          <p:nvPr>
-            <p:ph idx="1"/>
-          </p:nvPr>
-        </p:nvSpPr>
-        <p:spPr/>
-        <p:txBody>
-          <a:bodyPr>
-            <a:normAutofit fontScale="92500" lnSpcReduction="20000"/>
+          <p:cNvPr id="5" name="Rectangle 4"/>
+          <p:cNvSpPr/>
+          <p:nvPr/>
+        </p:nvSpPr>
+        <p:spPr>
+          <a:xfrm>
+            <a:off x="912241" y="1080998"/>
+            <a:ext cx="6692891" cy="4247317"/>
+          </a:xfrm>
+          <a:prstGeom prst="rect">
+            <a:avLst/>
+          </a:prstGeom>
+        </p:spPr>
+        <p:txBody>
+          <a:bodyPr wrap="square">
+            <a:spAutoFit/>
           </a:bodyPr>
           <a:lstStyle/>
           <a:p>
             <a:r>
-              <a:t>• scikit-learn — Classical ML</a:t>
-            </a:r>
-          </a:p>
-          <a:p>
-            <a:r>
-              <a:t>• TensorFlow / Keras — Deep learning</a:t>
-            </a:r>
-          </a:p>
-          <a:p>
-            <a:r>
-              <a:t>• PyTorch — Dynamic deep learning</a:t>
-            </a:r>
-          </a:p>
-          <a:p>
-            <a:r>
-              <a:t>• LightGBM / XGBoost / CatBoost — Gradient boosting</a:t>
-            </a:r>
-          </a:p>
-          <a:p>
-            <a:r>
-              <a:t>• spaCy / Transformers — NLP</a:t>
-            </a:r>
-          </a:p>
-          <a:p>
-            <a:endParaRPr/>
-          </a:p>
-          <a:p>
-            <a:r>
-              <a:t>These libraries cover most ML workflows from data prep to modeling.</a:t>
-            </a:r>
+              <a:rPr lang="en-US" sz="3600" b="1" dirty="0">
+                <a:latin typeface="+mj-lt"/>
+              </a:rPr>
+              <a:t>2. Collect &amp; Load </a:t>
+            </a:r>
+            <a:r>
+              <a:rPr lang="en-US" sz="3600" b="1" dirty="0" smtClean="0">
+                <a:latin typeface="+mj-lt"/>
+              </a:rPr>
+              <a:t>Data </a:t>
+            </a:r>
+          </a:p>
+          <a:p>
+            <a:pPr algn="ctr"/>
+            <a:endParaRPr lang="en-US" b="1" dirty="0">
+              <a:latin typeface="+mj-lt"/>
+            </a:endParaRPr>
+          </a:p>
+          <a:p>
+            <a:pPr marL="342900" indent="-342900">
+              <a:lnSpc>
+                <a:spcPct val="300000"/>
+              </a:lnSpc>
+              <a:buFont typeface="Arial" panose="020B0604020202020204" pitchFamily="34" charset="0"/>
+              <a:buChar char="•"/>
+            </a:pPr>
+            <a:r>
+              <a:rPr lang="en-US" altLang="en-US" dirty="0">
+                <a:latin typeface="+mj-lt"/>
+              </a:rPr>
+              <a:t>Gather data from databases, files, APIs, or sensors</a:t>
+            </a:r>
+            <a:r>
+              <a:rPr lang="en-US" altLang="en-US" dirty="0" smtClean="0">
+                <a:latin typeface="+mj-lt"/>
+              </a:rPr>
+              <a:t>.</a:t>
+            </a:r>
+          </a:p>
+          <a:p>
+            <a:pPr marL="342900" indent="-342900">
+              <a:lnSpc>
+                <a:spcPct val="300000"/>
+              </a:lnSpc>
+              <a:buFont typeface="Arial" panose="020B0604020202020204" pitchFamily="34" charset="0"/>
+              <a:buChar char="•"/>
+            </a:pPr>
+            <a:r>
+              <a:rPr lang="en-US" altLang="en-US" dirty="0" smtClean="0">
+                <a:latin typeface="+mj-lt"/>
+              </a:rPr>
+              <a:t>Load </a:t>
+            </a:r>
+            <a:r>
+              <a:rPr lang="en-US" altLang="en-US" dirty="0">
+                <a:latin typeface="+mj-lt"/>
+              </a:rPr>
+              <a:t>into pandas (Python) </a:t>
+            </a:r>
+            <a:r>
+              <a:rPr lang="en-US" altLang="en-US" dirty="0">
+                <a:latin typeface="+mj-lt"/>
+              </a:rPr>
+              <a:t>or </a:t>
+            </a:r>
+            <a:r>
+              <a:rPr lang="en-US" altLang="en-US" dirty="0" err="1">
+                <a:latin typeface="+mj-lt"/>
+              </a:rPr>
+              <a:t>IDataView</a:t>
+            </a:r>
+            <a:r>
+              <a:rPr lang="en-US" altLang="en-US" dirty="0">
+                <a:latin typeface="+mj-lt"/>
+              </a:rPr>
+              <a:t> (ML.NET</a:t>
+            </a:r>
+            <a:r>
+              <a:rPr lang="en-US" altLang="en-US" dirty="0" smtClean="0">
+                <a:latin typeface="+mj-lt"/>
+              </a:rPr>
+              <a:t>).</a:t>
+            </a:r>
+          </a:p>
+          <a:p>
+            <a:pPr marL="342900" indent="-342900">
+              <a:lnSpc>
+                <a:spcPct val="300000"/>
+              </a:lnSpc>
+              <a:buFont typeface="Arial" panose="020B0604020202020204" pitchFamily="34" charset="0"/>
+              <a:buChar char="•"/>
+            </a:pPr>
+            <a:r>
+              <a:rPr lang="en-US" altLang="en-US" dirty="0" smtClean="0">
+                <a:latin typeface="+mj-lt"/>
+              </a:rPr>
+              <a:t>Ensure </a:t>
+            </a:r>
+            <a:r>
+              <a:rPr lang="en-US" altLang="en-US" dirty="0">
+                <a:latin typeface="+mj-lt"/>
+              </a:rPr>
+              <a:t>data is sufficient and relevant.</a:t>
+            </a:r>
+          </a:p>
+          <a:p>
+            <a:endParaRPr lang="en-US" altLang="en-US" dirty="0">
+              <a:latin typeface="Arial" panose="020B0604020202020204" pitchFamily="34" charset="0"/>
+            </a:endParaRPr>
+          </a:p>
+          <a:p>
+            <a:endParaRPr lang="en-US" b="1" dirty="0" smtClean="0"/>
+          </a:p>
+          <a:p>
+            <a:endParaRPr lang="en-US" b="1" dirty="0"/>
           </a:p>
         </p:txBody>
       </p:sp>
     </p:spTree>
+    <p:extLst>
+      <p:ext uri="{BB962C8B-B14F-4D97-AF65-F5344CB8AC3E}">
+        <p14:creationId xmlns:p14="http://schemas.microsoft.com/office/powerpoint/2010/main" val="2484675809"/>
+      </p:ext>
+    </p:extLst>
+  </p:cSld>
+  <p:clrMapOvr>
+    <a:masterClrMapping/>
+  </p:clrMapOvr>
+</p:sld>
+</file>
+
+<file path=ppt/slides/slide12.xml><?xml version="1.0" encoding="utf-8"?>
+<p:sld xmlns:a="http://schemas.openxmlformats.org/drawingml/2006/main" xmlns:r="http://schemas.openxmlformats.org/officeDocument/2006/relationships" xmlns:p="http://schemas.openxmlformats.org/presentationml/2006/main">
+  <p:cSld>
+    <p:spTree>
+      <p:nvGrpSpPr>
+        <p:cNvPr id="1" name=""/>
+        <p:cNvGrpSpPr/>
+        <p:nvPr/>
+      </p:nvGrpSpPr>
+      <p:grpSpPr>
+        <a:xfrm>
+          <a:off x="0" y="0"/>
+          <a:ext cx="0" cy="0"/>
+          <a:chOff x="0" y="0"/>
+          <a:chExt cx="0" cy="0"/>
+        </a:xfrm>
+      </p:grpSpPr>
+      <p:sp>
+        <p:nvSpPr>
+          <p:cNvPr id="2" name="Rectangle 1"/>
+          <p:cNvSpPr/>
+          <p:nvPr/>
+        </p:nvSpPr>
+        <p:spPr>
+          <a:xfrm>
+            <a:off x="914399" y="1237785"/>
+            <a:ext cx="6924907" cy="3785652"/>
+          </a:xfrm>
+          <a:prstGeom prst="rect">
+            <a:avLst/>
+          </a:prstGeom>
+        </p:spPr>
+        <p:txBody>
+          <a:bodyPr wrap="square">
+            <a:spAutoFit/>
+          </a:bodyPr>
+          <a:lstStyle/>
+          <a:p>
+            <a:r>
+              <a:rPr lang="en-US" sz="2400" b="1" dirty="0"/>
+              <a:t>3. Explore and Understand the Data (EDA)</a:t>
+            </a:r>
+          </a:p>
+          <a:p>
+            <a:pPr>
+              <a:lnSpc>
+                <a:spcPct val="300000"/>
+              </a:lnSpc>
+              <a:buFont typeface="Arial" panose="020B0604020202020204" pitchFamily="34" charset="0"/>
+              <a:buChar char="•"/>
+            </a:pPr>
+            <a:r>
+              <a:rPr lang="en-US" dirty="0"/>
+              <a:t>Summarize dataset (shape, mean, median, unique values).</a:t>
+            </a:r>
+          </a:p>
+          <a:p>
+            <a:pPr>
+              <a:lnSpc>
+                <a:spcPct val="300000"/>
+              </a:lnSpc>
+              <a:buFont typeface="Arial" panose="020B0604020202020204" pitchFamily="34" charset="0"/>
+              <a:buChar char="•"/>
+            </a:pPr>
+            <a:r>
+              <a:rPr lang="en-US" dirty="0"/>
+              <a:t>Visualize with histograms, scatter plots, and </a:t>
+            </a:r>
+            <a:r>
+              <a:rPr lang="en-US" dirty="0" err="1"/>
+              <a:t>heatmaps</a:t>
+            </a:r>
+            <a:r>
+              <a:rPr lang="en-US" dirty="0"/>
+              <a:t>.</a:t>
+            </a:r>
+          </a:p>
+          <a:p>
+            <a:pPr>
+              <a:lnSpc>
+                <a:spcPct val="300000"/>
+              </a:lnSpc>
+              <a:buFont typeface="Arial" panose="020B0604020202020204" pitchFamily="34" charset="0"/>
+              <a:buChar char="•"/>
+            </a:pPr>
+            <a:r>
+              <a:rPr lang="en-US" dirty="0"/>
+              <a:t>Detect patterns, relationships, outliers, and data imbalance.</a:t>
+            </a:r>
+          </a:p>
+          <a:p>
+            <a:pPr>
+              <a:lnSpc>
+                <a:spcPct val="300000"/>
+              </a:lnSpc>
+            </a:pPr>
+            <a:r>
+              <a:rPr lang="en-DE" dirty="0"/>
+              <a:t>📊 </a:t>
+            </a:r>
+            <a:r>
+              <a:rPr lang="en-US" i="1" dirty="0"/>
+              <a:t>Tools:</a:t>
+            </a:r>
+            <a:r>
+              <a:rPr lang="en-US" dirty="0"/>
+              <a:t> </a:t>
+            </a:r>
+            <a:r>
+              <a:rPr lang="en-US" dirty="0" err="1"/>
+              <a:t>matplotlib</a:t>
+            </a:r>
+            <a:r>
+              <a:rPr lang="en-US" dirty="0"/>
+              <a:t>, </a:t>
+            </a:r>
+            <a:r>
+              <a:rPr lang="en-US" dirty="0" err="1"/>
+              <a:t>seaborn</a:t>
+            </a:r>
+            <a:r>
+              <a:rPr lang="en-US" dirty="0"/>
+              <a:t>, pandas profiling, ML.NET Data Preview</a:t>
+            </a:r>
+          </a:p>
+        </p:txBody>
+      </p:sp>
+    </p:spTree>
+    <p:extLst>
+      <p:ext uri="{BB962C8B-B14F-4D97-AF65-F5344CB8AC3E}">
+        <p14:creationId xmlns:p14="http://schemas.microsoft.com/office/powerpoint/2010/main" val="225083775"/>
+      </p:ext>
+    </p:extLst>
+  </p:cSld>
+  <p:clrMapOvr>
+    <a:masterClrMapping/>
+  </p:clrMapOvr>
+</p:sld>
+</file>
+
+<file path=ppt/slides/slide13.xml><?xml version="1.0" encoding="utf-8"?>
+<p:sld xmlns:a="http://schemas.openxmlformats.org/drawingml/2006/main" xmlns:r="http://schemas.openxmlformats.org/officeDocument/2006/relationships" xmlns:p="http://schemas.openxmlformats.org/presentationml/2006/main">
+  <p:cSld>
+    <p:spTree>
+      <p:nvGrpSpPr>
+        <p:cNvPr id="1" name=""/>
+        <p:cNvGrpSpPr/>
+        <p:nvPr/>
+      </p:nvGrpSpPr>
+      <p:grpSpPr>
+        <a:xfrm>
+          <a:off x="0" y="0"/>
+          <a:ext cx="0" cy="0"/>
+          <a:chOff x="0" y="0"/>
+          <a:chExt cx="0" cy="0"/>
+        </a:xfrm>
+      </p:grpSpPr>
+      <p:sp>
+        <p:nvSpPr>
+          <p:cNvPr id="4" name="Rectangle 3"/>
+          <p:cNvSpPr>
+            <a:spLocks noChangeArrowheads="1"/>
+          </p:cNvSpPr>
+          <p:nvPr/>
+        </p:nvSpPr>
+        <p:spPr bwMode="auto">
+          <a:xfrm>
+            <a:off x="613317" y="678186"/>
+            <a:ext cx="7660888" cy="5693866"/>
+          </a:xfrm>
+          <a:prstGeom prst="rect">
+            <a:avLst/>
+          </a:prstGeom>
+          <a:noFill/>
+          <a:ln>
+            <a:noFill/>
+          </a:ln>
+          <a:effectLst/>
+          <a:extLst>
+            <a:ext uri="{909E8E84-426E-40DD-AFC4-6F175D3DCCD1}">
+              <a14:hiddenFill xmlns:a14="http://schemas.microsoft.com/office/drawing/2010/main">
+                <a:solidFill>
+                  <a:schemeClr val="accent1"/>
+                </a:solidFill>
+              </a14:hiddenFill>
+            </a:ext>
+            <a:ext uri="{91240B29-F687-4F45-9708-019B960494DF}">
+              <a14:hiddenLine xmlns:a14="http://schemas.microsoft.com/office/drawing/2010/main" w="9525">
+                <a:solidFill>
+                  <a:schemeClr val="tx1"/>
+                </a:solidFill>
+                <a:miter lim="800000"/>
+                <a:headEnd/>
+                <a:tailEnd/>
+              </a14:hiddenLine>
+            </a:ext>
+            <a:ext uri="{AF507438-7753-43E0-B8FC-AC1667EBCBE1}">
+              <a14:hiddenEffects xmlns:a14="http://schemas.microsoft.com/office/drawing/2010/main">
+                <a:effectLst>
+                  <a:outerShdw dist="35921" dir="2700000" algn="ctr" rotWithShape="0">
+                    <a:schemeClr val="bg2"/>
+                  </a:outerShdw>
+                </a:effectLst>
+              </a14:hiddenEffects>
+            </a:ext>
+          </a:extLst>
+        </p:spPr>
+        <p:txBody>
+          <a:bodyPr vert="horz" wrap="square" lIns="91440" tIns="45720" rIns="91440" bIns="45720" numCol="1" anchor="ctr" anchorCtr="0" compatLnSpc="1">
+            <a:prstTxWarp prst="textNoShape">
+              <a:avLst/>
+            </a:prstTxWarp>
+            <a:spAutoFit/>
+          </a:bodyPr>
+          <a:lstStyle/>
+          <a:p>
+            <a:pPr marL="0" marR="0" lvl="0" indent="0" algn="l" defTabSz="914400" rtl="0" eaLnBrk="0" fontAlgn="base" latinLnBrk="0" hangingPunct="0">
+              <a:lnSpc>
+                <a:spcPct val="100000"/>
+              </a:lnSpc>
+              <a:spcBef>
+                <a:spcPct val="0"/>
+              </a:spcBef>
+              <a:spcAft>
+                <a:spcPct val="0"/>
+              </a:spcAft>
+              <a:buClrTx/>
+              <a:buSzTx/>
+              <a:buFontTx/>
+              <a:buNone/>
+              <a:tabLst/>
+            </a:pPr>
+            <a:r>
+              <a:rPr kumimoji="0" lang="en-US" altLang="en-US" sz="4000" b="1" i="0" u="none" strike="noStrike" cap="none" normalizeH="0" baseline="0" dirty="0" smtClean="0">
+                <a:ln>
+                  <a:noFill/>
+                </a:ln>
+                <a:solidFill>
+                  <a:schemeClr val="tx1"/>
+                </a:solidFill>
+                <a:effectLst/>
+                <a:latin typeface="+mj-lt"/>
+              </a:rPr>
+              <a:t>4. Clean &amp; Preprocess Data</a:t>
+            </a:r>
+          </a:p>
+          <a:p>
+            <a:pPr marL="0" marR="0" lvl="0" indent="0" algn="l" defTabSz="914400" rtl="0" eaLnBrk="0" fontAlgn="base" latinLnBrk="0" hangingPunct="0">
+              <a:lnSpc>
+                <a:spcPct val="300000"/>
+              </a:lnSpc>
+              <a:spcBef>
+                <a:spcPct val="0"/>
+              </a:spcBef>
+              <a:spcAft>
+                <a:spcPct val="0"/>
+              </a:spcAft>
+              <a:buClrTx/>
+              <a:buSzTx/>
+              <a:buFontTx/>
+              <a:buChar char="•"/>
+              <a:tabLst/>
+            </a:pPr>
+            <a:r>
+              <a:rPr lang="en-US" altLang="en-US" dirty="0">
+                <a:latin typeface="+mj-lt"/>
+              </a:rPr>
+              <a:t>Handle missing values (</a:t>
+            </a:r>
+            <a:r>
+              <a:rPr lang="en-US" altLang="en-US" dirty="0" err="1">
+                <a:latin typeface="+mj-lt"/>
+              </a:rPr>
+              <a:t>fillna</a:t>
+            </a:r>
+            <a:r>
+              <a:rPr lang="en-US" altLang="en-US" dirty="0">
+                <a:latin typeface="+mj-lt"/>
+              </a:rPr>
+              <a:t>(), imputation).</a:t>
+            </a:r>
+          </a:p>
+          <a:p>
+            <a:pPr marL="0" marR="0" lvl="0" indent="0" algn="l" defTabSz="914400" rtl="0" eaLnBrk="0" fontAlgn="base" latinLnBrk="0" hangingPunct="0">
+              <a:lnSpc>
+                <a:spcPct val="300000"/>
+              </a:lnSpc>
+              <a:spcBef>
+                <a:spcPct val="0"/>
+              </a:spcBef>
+              <a:spcAft>
+                <a:spcPct val="0"/>
+              </a:spcAft>
+              <a:buClrTx/>
+              <a:buSzTx/>
+              <a:buFontTx/>
+              <a:buChar char="•"/>
+              <a:tabLst/>
+            </a:pPr>
+            <a:r>
+              <a:rPr lang="en-US" altLang="en-US" dirty="0">
+                <a:latin typeface="+mj-lt"/>
+              </a:rPr>
+              <a:t>Remove duplicates, fix inconsistent </a:t>
+            </a:r>
+            <a:r>
+              <a:rPr kumimoji="0" lang="en-US" altLang="en-US" sz="1800" b="0" i="0" u="none" strike="noStrike" cap="none" normalizeH="0" baseline="0" dirty="0" smtClean="0">
+                <a:ln>
+                  <a:noFill/>
+                </a:ln>
+                <a:solidFill>
+                  <a:schemeClr val="tx1"/>
+                </a:solidFill>
+                <a:effectLst/>
+                <a:latin typeface="+mj-lt"/>
+              </a:rPr>
+              <a:t>formatting.</a:t>
+            </a:r>
+          </a:p>
+          <a:p>
+            <a:pPr marL="0" marR="0" lvl="0" indent="0" algn="l" defTabSz="914400" rtl="0" eaLnBrk="0" fontAlgn="base" latinLnBrk="0" hangingPunct="0">
+              <a:lnSpc>
+                <a:spcPct val="300000"/>
+              </a:lnSpc>
+              <a:spcBef>
+                <a:spcPct val="0"/>
+              </a:spcBef>
+              <a:spcAft>
+                <a:spcPct val="0"/>
+              </a:spcAft>
+              <a:buClrTx/>
+              <a:buSzTx/>
+              <a:buFontTx/>
+              <a:buChar char="•"/>
+              <a:tabLst/>
+            </a:pPr>
+            <a:r>
+              <a:rPr kumimoji="0" lang="en-US" altLang="en-US" sz="1800" b="0" i="0" u="none" strike="noStrike" cap="none" normalizeH="0" baseline="0" dirty="0" smtClean="0">
+                <a:ln>
+                  <a:noFill/>
+                </a:ln>
+                <a:solidFill>
+                  <a:schemeClr val="tx1"/>
+                </a:solidFill>
+                <a:effectLst/>
+                <a:latin typeface="+mj-lt"/>
+              </a:rPr>
+              <a:t>Encode categorical features (</a:t>
+            </a:r>
+            <a:r>
+              <a:rPr kumimoji="0" lang="en-US" altLang="en-US" sz="1800" b="0" i="0" u="none" strike="noStrike" cap="none" normalizeH="0" baseline="0" dirty="0" err="1" smtClean="0">
+                <a:ln>
+                  <a:noFill/>
+                </a:ln>
+                <a:solidFill>
+                  <a:schemeClr val="tx1"/>
+                </a:solidFill>
+                <a:effectLst/>
+                <a:latin typeface="+mj-lt"/>
+              </a:rPr>
+              <a:t>LabelEncoder</a:t>
+            </a:r>
+            <a:r>
+              <a:rPr kumimoji="0" lang="en-US" altLang="en-US" sz="1800" b="0" i="0" u="none" strike="noStrike" cap="none" normalizeH="0" baseline="0" dirty="0" smtClean="0">
+                <a:ln>
+                  <a:noFill/>
+                </a:ln>
+                <a:solidFill>
+                  <a:schemeClr val="tx1"/>
+                </a:solidFill>
+                <a:effectLst/>
+                <a:latin typeface="+mj-lt"/>
+              </a:rPr>
+              <a:t>, </a:t>
+            </a:r>
+            <a:r>
+              <a:rPr kumimoji="0" lang="en-US" altLang="en-US" sz="1800" b="0" i="0" u="none" strike="noStrike" cap="none" normalizeH="0" baseline="0" dirty="0" err="1" smtClean="0">
+                <a:ln>
+                  <a:noFill/>
+                </a:ln>
+                <a:solidFill>
+                  <a:schemeClr val="tx1"/>
+                </a:solidFill>
+                <a:effectLst/>
+                <a:latin typeface="+mj-lt"/>
+              </a:rPr>
+              <a:t>OneHotEncoder</a:t>
+            </a:r>
+            <a:r>
+              <a:rPr kumimoji="0" lang="en-US" altLang="en-US" sz="1800" b="0" i="0" u="none" strike="noStrike" cap="none" normalizeH="0" baseline="0" dirty="0" smtClean="0">
+                <a:ln>
+                  <a:noFill/>
+                </a:ln>
+                <a:solidFill>
+                  <a:schemeClr val="tx1"/>
+                </a:solidFill>
+                <a:effectLst/>
+                <a:latin typeface="+mj-lt"/>
+              </a:rPr>
+              <a:t>).</a:t>
+            </a:r>
+          </a:p>
+          <a:p>
+            <a:pPr marL="0" marR="0" lvl="0" indent="0" algn="l" defTabSz="914400" rtl="0" eaLnBrk="0" fontAlgn="base" latinLnBrk="0" hangingPunct="0">
+              <a:lnSpc>
+                <a:spcPct val="300000"/>
+              </a:lnSpc>
+              <a:spcBef>
+                <a:spcPct val="0"/>
+              </a:spcBef>
+              <a:spcAft>
+                <a:spcPct val="0"/>
+              </a:spcAft>
+              <a:buClrTx/>
+              <a:buSzTx/>
+              <a:buFontTx/>
+              <a:buChar char="•"/>
+              <a:tabLst/>
+            </a:pPr>
+            <a:r>
+              <a:rPr kumimoji="0" lang="en-US" altLang="en-US" sz="1800" b="0" i="0" u="none" strike="noStrike" cap="none" normalizeH="0" baseline="0" dirty="0" smtClean="0">
+                <a:ln>
+                  <a:noFill/>
+                </a:ln>
+                <a:solidFill>
+                  <a:schemeClr val="tx1"/>
+                </a:solidFill>
+                <a:effectLst/>
+                <a:latin typeface="+mj-lt"/>
+              </a:rPr>
+              <a:t>Scale/normalize numeric values.</a:t>
+            </a:r>
+          </a:p>
+          <a:p>
+            <a:pPr marL="0" marR="0" lvl="0" indent="0" algn="l" defTabSz="914400" rtl="0" eaLnBrk="0" fontAlgn="base" latinLnBrk="0" hangingPunct="0">
+              <a:lnSpc>
+                <a:spcPct val="300000"/>
+              </a:lnSpc>
+              <a:spcBef>
+                <a:spcPct val="0"/>
+              </a:spcBef>
+              <a:spcAft>
+                <a:spcPct val="0"/>
+              </a:spcAft>
+              <a:buClrTx/>
+              <a:buSzTx/>
+              <a:buFontTx/>
+              <a:buChar char="•"/>
+              <a:tabLst/>
+            </a:pPr>
+            <a:r>
+              <a:rPr kumimoji="0" lang="en-US" altLang="en-US" sz="1800" b="0" i="0" u="none" strike="noStrike" cap="none" normalizeH="0" baseline="0" dirty="0" smtClean="0">
+                <a:ln>
+                  <a:noFill/>
+                </a:ln>
+                <a:solidFill>
+                  <a:schemeClr val="tx1"/>
+                </a:solidFill>
+                <a:effectLst/>
+                <a:latin typeface="+mj-lt"/>
+              </a:rPr>
+              <a:t>Split features (X) and target (y)</a:t>
+            </a:r>
+          </a:p>
+          <a:p>
+            <a:pPr marL="0" marR="0" lvl="0" indent="0" algn="l" defTabSz="914400" rtl="0" eaLnBrk="0" fontAlgn="base" latinLnBrk="0" hangingPunct="0">
+              <a:lnSpc>
+                <a:spcPct val="300000"/>
+              </a:lnSpc>
+              <a:spcBef>
+                <a:spcPct val="0"/>
+              </a:spcBef>
+              <a:spcAft>
+                <a:spcPct val="0"/>
+              </a:spcAft>
+              <a:buClrTx/>
+              <a:buSzTx/>
+              <a:buFontTx/>
+              <a:buNone/>
+              <a:tabLst/>
+            </a:pPr>
+            <a:r>
+              <a:rPr kumimoji="0" lang="en-US" altLang="en-US" sz="1800" b="0" i="0" u="none" strike="noStrike" cap="none" normalizeH="0" baseline="0" dirty="0" smtClean="0">
+                <a:ln>
+                  <a:noFill/>
+                </a:ln>
+                <a:solidFill>
+                  <a:schemeClr val="tx1"/>
+                </a:solidFill>
+                <a:effectLst/>
+                <a:latin typeface="+mj-lt"/>
+              </a:rPr>
+              <a:t>💡 </a:t>
+            </a:r>
+            <a:r>
+              <a:rPr kumimoji="0" lang="en-US" altLang="en-US" sz="1800" b="0" i="1" u="none" strike="noStrike" cap="none" normalizeH="0" baseline="0" dirty="0" smtClean="0">
+                <a:ln>
+                  <a:noFill/>
+                </a:ln>
+                <a:solidFill>
+                  <a:schemeClr val="tx1"/>
+                </a:solidFill>
+                <a:effectLst/>
+                <a:latin typeface="+mj-lt"/>
+              </a:rPr>
+              <a:t>Goal:</a:t>
+            </a:r>
+            <a:r>
+              <a:rPr kumimoji="0" lang="en-US" altLang="en-US" sz="1800" b="0" i="0" u="none" strike="noStrike" cap="none" normalizeH="0" baseline="0" dirty="0" smtClean="0">
+                <a:ln>
+                  <a:noFill/>
+                </a:ln>
+                <a:solidFill>
+                  <a:schemeClr val="tx1"/>
+                </a:solidFill>
+                <a:effectLst/>
+                <a:latin typeface="+mj-lt"/>
+              </a:rPr>
+              <a:t> Convert messy raw data into clean, numeric, model-ready format</a:t>
+            </a:r>
+            <a:r>
+              <a:rPr kumimoji="0" lang="en-US" altLang="en-US" sz="1800" b="0" i="0" u="none" strike="noStrike" cap="none" normalizeH="0" baseline="0" dirty="0" smtClean="0">
+                <a:ln>
+                  <a:noFill/>
+                </a:ln>
+                <a:solidFill>
+                  <a:schemeClr val="tx1"/>
+                </a:solidFill>
+                <a:effectLst/>
+                <a:latin typeface="Arial" panose="020B0604020202020204" pitchFamily="34" charset="0"/>
+              </a:rPr>
+              <a:t>.</a:t>
+            </a:r>
+          </a:p>
+        </p:txBody>
+      </p:sp>
+    </p:spTree>
+    <p:extLst>
+      <p:ext uri="{BB962C8B-B14F-4D97-AF65-F5344CB8AC3E}">
+        <p14:creationId xmlns:p14="http://schemas.microsoft.com/office/powerpoint/2010/main" val="4252276063"/>
+      </p:ext>
+    </p:extLst>
+  </p:cSld>
+  <p:clrMapOvr>
+    <a:masterClrMapping/>
+  </p:clrMapOvr>
+</p:sld>
+</file>
+
+<file path=ppt/slides/slide14.xml><?xml version="1.0" encoding="utf-8"?>
+<p:sld xmlns:a="http://schemas.openxmlformats.org/drawingml/2006/main" xmlns:r="http://schemas.openxmlformats.org/officeDocument/2006/relationships" xmlns:p="http://schemas.openxmlformats.org/presentationml/2006/main">
+  <p:cSld>
+    <p:spTree>
+      <p:nvGrpSpPr>
+        <p:cNvPr id="1" name=""/>
+        <p:cNvGrpSpPr/>
+        <p:nvPr/>
+      </p:nvGrpSpPr>
+      <p:grpSpPr>
+        <a:xfrm>
+          <a:off x="0" y="0"/>
+          <a:ext cx="0" cy="0"/>
+          <a:chOff x="0" y="0"/>
+          <a:chExt cx="0" cy="0"/>
+        </a:xfrm>
+      </p:grpSpPr>
+      <p:sp>
+        <p:nvSpPr>
+          <p:cNvPr id="2" name="Rectangle 1"/>
+          <p:cNvSpPr/>
+          <p:nvPr/>
+        </p:nvSpPr>
+        <p:spPr>
+          <a:xfrm>
+            <a:off x="691374" y="874470"/>
+            <a:ext cx="6969513" cy="3062377"/>
+          </a:xfrm>
+          <a:prstGeom prst="rect">
+            <a:avLst/>
+          </a:prstGeom>
+        </p:spPr>
+        <p:txBody>
+          <a:bodyPr wrap="square">
+            <a:spAutoFit/>
+          </a:bodyPr>
+          <a:lstStyle/>
+          <a:p>
+            <a:r>
+              <a:rPr lang="en-US" sz="4000" b="1" dirty="0"/>
+              <a:t>5. Split Data</a:t>
+            </a:r>
+          </a:p>
+          <a:p>
+            <a:pPr>
+              <a:buFont typeface="Arial" panose="020B0604020202020204" pitchFamily="34" charset="0"/>
+              <a:buChar char="•"/>
+            </a:pPr>
+            <a:r>
+              <a:rPr lang="en-US" dirty="0"/>
+              <a:t>Divide dataset into:</a:t>
+            </a:r>
+          </a:p>
+          <a:p>
+            <a:pPr marL="742950" lvl="1" indent="-285750">
+              <a:lnSpc>
+                <a:spcPct val="250000"/>
+              </a:lnSpc>
+              <a:buFont typeface="Arial" panose="020B0604020202020204" pitchFamily="34" charset="0"/>
+              <a:buChar char="•"/>
+            </a:pPr>
+            <a:r>
+              <a:rPr lang="en-US" b="1" dirty="0"/>
+              <a:t>Training set</a:t>
+            </a:r>
+            <a:r>
+              <a:rPr lang="en-US" dirty="0"/>
+              <a:t> → to learn (70–80%)</a:t>
+            </a:r>
+          </a:p>
+          <a:p>
+            <a:pPr marL="742950" lvl="1" indent="-285750">
+              <a:lnSpc>
+                <a:spcPct val="250000"/>
+              </a:lnSpc>
+              <a:buFont typeface="Arial" panose="020B0604020202020204" pitchFamily="34" charset="0"/>
+              <a:buChar char="•"/>
+            </a:pPr>
+            <a:r>
+              <a:rPr lang="en-US" b="1" dirty="0"/>
+              <a:t>Validation set</a:t>
+            </a:r>
+            <a:r>
+              <a:rPr lang="en-US" dirty="0"/>
+              <a:t> → to tune </a:t>
+            </a:r>
+            <a:r>
+              <a:rPr lang="en-US" dirty="0" err="1"/>
+              <a:t>hyperparameters</a:t>
+            </a:r>
+            <a:r>
+              <a:rPr lang="en-US" dirty="0"/>
+              <a:t> (10–15%)</a:t>
+            </a:r>
+          </a:p>
+          <a:p>
+            <a:pPr marL="742950" lvl="1" indent="-285750">
+              <a:lnSpc>
+                <a:spcPct val="250000"/>
+              </a:lnSpc>
+              <a:buFont typeface="Arial" panose="020B0604020202020204" pitchFamily="34" charset="0"/>
+              <a:buChar char="•"/>
+            </a:pPr>
+            <a:r>
+              <a:rPr lang="en-US" b="1" dirty="0"/>
+              <a:t>Test set</a:t>
+            </a:r>
+            <a:r>
+              <a:rPr lang="en-US" dirty="0"/>
+              <a:t> → to evaluate final performance (10–15%)</a:t>
+            </a:r>
+          </a:p>
+        </p:txBody>
+      </p:sp>
+    </p:spTree>
+    <p:extLst>
+      <p:ext uri="{BB962C8B-B14F-4D97-AF65-F5344CB8AC3E}">
+        <p14:creationId xmlns:p14="http://schemas.microsoft.com/office/powerpoint/2010/main" val="4242508216"/>
+      </p:ext>
+    </p:extLst>
+  </p:cSld>
+  <p:clrMapOvr>
+    <a:masterClrMapping/>
+  </p:clrMapOvr>
+</p:sld>
+</file>
+
+<file path=ppt/slides/slide15.xml><?xml version="1.0" encoding="utf-8"?>
+<p:sld xmlns:a="http://schemas.openxmlformats.org/drawingml/2006/main" xmlns:r="http://schemas.openxmlformats.org/officeDocument/2006/relationships" xmlns:p="http://schemas.openxmlformats.org/presentationml/2006/main">
+  <p:cSld>
+    <p:spTree>
+      <p:nvGrpSpPr>
+        <p:cNvPr id="1" name=""/>
+        <p:cNvGrpSpPr/>
+        <p:nvPr/>
+      </p:nvGrpSpPr>
+      <p:grpSpPr>
+        <a:xfrm>
+          <a:off x="0" y="0"/>
+          <a:ext cx="0" cy="0"/>
+          <a:chOff x="0" y="0"/>
+          <a:chExt cx="0" cy="0"/>
+        </a:xfrm>
+      </p:grpSpPr>
+      <p:sp>
+        <p:nvSpPr>
+          <p:cNvPr id="3" name="Rectangle 2"/>
+          <p:cNvSpPr>
+            <a:spLocks noChangeArrowheads="1"/>
+          </p:cNvSpPr>
+          <p:nvPr/>
+        </p:nvSpPr>
+        <p:spPr bwMode="auto">
+          <a:xfrm>
+            <a:off x="791737" y="528546"/>
+            <a:ext cx="7326351" cy="6001643"/>
+          </a:xfrm>
+          <a:prstGeom prst="rect">
+            <a:avLst/>
+          </a:prstGeom>
+          <a:noFill/>
+          <a:ln>
+            <a:noFill/>
+          </a:ln>
+          <a:effectLst/>
+          <a:extLst>
+            <a:ext uri="{909E8E84-426E-40DD-AFC4-6F175D3DCCD1}">
+              <a14:hiddenFill xmlns:a14="http://schemas.microsoft.com/office/drawing/2010/main">
+                <a:solidFill>
+                  <a:schemeClr val="accent1"/>
+                </a:solidFill>
+              </a14:hiddenFill>
+            </a:ext>
+            <a:ext uri="{91240B29-F687-4F45-9708-019B960494DF}">
+              <a14:hiddenLine xmlns:a14="http://schemas.microsoft.com/office/drawing/2010/main" w="9525">
+                <a:solidFill>
+                  <a:schemeClr val="tx1"/>
+                </a:solidFill>
+                <a:miter lim="800000"/>
+                <a:headEnd/>
+                <a:tailEnd/>
+              </a14:hiddenLine>
+            </a:ext>
+            <a:ext uri="{AF507438-7753-43E0-B8FC-AC1667EBCBE1}">
+              <a14:hiddenEffects xmlns:a14="http://schemas.microsoft.com/office/drawing/2010/main">
+                <a:effectLst>
+                  <a:outerShdw dist="35921" dir="2700000" algn="ctr" rotWithShape="0">
+                    <a:schemeClr val="bg2"/>
+                  </a:outerShdw>
+                </a:effectLst>
+              </a14:hiddenEffects>
+            </a:ext>
+          </a:extLst>
+        </p:spPr>
+        <p:txBody>
+          <a:bodyPr vert="horz" wrap="square" lIns="91440" tIns="45720" rIns="91440" bIns="45720" numCol="1" anchor="ctr" anchorCtr="0" compatLnSpc="1">
+            <a:prstTxWarp prst="textNoShape">
+              <a:avLst/>
+            </a:prstTxWarp>
+            <a:spAutoFit/>
+          </a:bodyPr>
+          <a:lstStyle/>
+          <a:p>
+            <a:pPr marL="0" marR="0" lvl="0" indent="0" algn="l" defTabSz="914400" rtl="0" eaLnBrk="0" fontAlgn="base" latinLnBrk="0" hangingPunct="0">
+              <a:lnSpc>
+                <a:spcPct val="100000"/>
+              </a:lnSpc>
+              <a:spcBef>
+                <a:spcPct val="0"/>
+              </a:spcBef>
+              <a:spcAft>
+                <a:spcPct val="0"/>
+              </a:spcAft>
+              <a:buClrTx/>
+              <a:buSzTx/>
+              <a:buFontTx/>
+              <a:buNone/>
+              <a:tabLst/>
+            </a:pPr>
+            <a:r>
+              <a:rPr kumimoji="0" lang="en-US" altLang="en-US" sz="3200" b="1" i="0" u="none" strike="noStrike" cap="none" normalizeH="0" baseline="0" dirty="0" smtClean="0">
+                <a:ln>
+                  <a:noFill/>
+                </a:ln>
+                <a:solidFill>
+                  <a:schemeClr val="tx1"/>
+                </a:solidFill>
+                <a:effectLst/>
+                <a:latin typeface="+mj-lt"/>
+              </a:rPr>
+              <a:t>6. Select and Build Model</a:t>
+            </a:r>
+          </a:p>
+          <a:p>
+            <a:pPr marL="0" marR="0" lvl="0" indent="0" algn="l" defTabSz="914400" rtl="0" eaLnBrk="0" fontAlgn="base" latinLnBrk="0" hangingPunct="0">
+              <a:lnSpc>
+                <a:spcPct val="300000"/>
+              </a:lnSpc>
+              <a:spcBef>
+                <a:spcPct val="0"/>
+              </a:spcBef>
+              <a:spcAft>
+                <a:spcPct val="0"/>
+              </a:spcAft>
+              <a:buClrTx/>
+              <a:buSzTx/>
+              <a:buFontTx/>
+              <a:buChar char="•"/>
+              <a:tabLst/>
+            </a:pPr>
+            <a:r>
+              <a:rPr kumimoji="0" lang="en-US" altLang="en-US" sz="2400" b="0" i="0" u="none" strike="noStrike" cap="none" normalizeH="0" baseline="0" dirty="0" smtClean="0">
+                <a:ln>
+                  <a:noFill/>
+                </a:ln>
+                <a:solidFill>
+                  <a:schemeClr val="tx1"/>
+                </a:solidFill>
+                <a:effectLst/>
+                <a:latin typeface="+mj-lt"/>
+              </a:rPr>
+              <a:t>Choose suitable algorithm for your problem type:</a:t>
+            </a:r>
+            <a:endParaRPr kumimoji="0" lang="en-US" altLang="en-US" sz="6000" b="0" i="0" u="none" strike="noStrike" cap="none" normalizeH="0" baseline="0" dirty="0" smtClean="0">
+              <a:ln>
+                <a:noFill/>
+              </a:ln>
+              <a:solidFill>
+                <a:schemeClr val="tx1"/>
+              </a:solidFill>
+              <a:effectLst/>
+              <a:latin typeface="+mj-lt"/>
+            </a:endParaRPr>
+          </a:p>
+          <a:p>
+            <a:pPr marL="457200" marR="0" lvl="1" indent="0" algn="l" defTabSz="914400" rtl="0" eaLnBrk="0" fontAlgn="base" latinLnBrk="0" hangingPunct="0">
+              <a:lnSpc>
+                <a:spcPct val="200000"/>
+              </a:lnSpc>
+              <a:spcBef>
+                <a:spcPct val="0"/>
+              </a:spcBef>
+              <a:spcAft>
+                <a:spcPct val="0"/>
+              </a:spcAft>
+              <a:buClrTx/>
+              <a:buSzTx/>
+              <a:buFontTx/>
+              <a:buChar char="•"/>
+              <a:tabLst/>
+            </a:pPr>
+            <a:r>
+              <a:rPr kumimoji="0" lang="en-US" altLang="en-US" sz="1800" b="0" i="0" u="none" strike="noStrike" cap="none" normalizeH="0" baseline="0" dirty="0" smtClean="0">
+                <a:ln>
+                  <a:noFill/>
+                </a:ln>
+                <a:solidFill>
+                  <a:schemeClr val="tx1"/>
+                </a:solidFill>
+                <a:effectLst/>
+                <a:latin typeface="+mj-lt"/>
+              </a:rPr>
+              <a:t>Regression → Linear, Ridge, </a:t>
+            </a:r>
+            <a:r>
+              <a:rPr kumimoji="0" lang="en-US" altLang="en-US" sz="1800" b="0" i="0" u="none" strike="noStrike" cap="none" normalizeH="0" baseline="0" dirty="0" err="1" smtClean="0">
+                <a:ln>
+                  <a:noFill/>
+                </a:ln>
+                <a:solidFill>
+                  <a:schemeClr val="tx1"/>
+                </a:solidFill>
+                <a:effectLst/>
+                <a:latin typeface="+mj-lt"/>
+              </a:rPr>
+              <a:t>RandomForestRegressor</a:t>
+            </a:r>
+            <a:endParaRPr kumimoji="0" lang="en-US" altLang="en-US" sz="1800" b="0" i="0" u="none" strike="noStrike" cap="none" normalizeH="0" baseline="0" dirty="0" smtClean="0">
+              <a:ln>
+                <a:noFill/>
+              </a:ln>
+              <a:solidFill>
+                <a:schemeClr val="tx1"/>
+              </a:solidFill>
+              <a:effectLst/>
+              <a:latin typeface="+mj-lt"/>
+            </a:endParaRPr>
+          </a:p>
+          <a:p>
+            <a:pPr marL="457200" marR="0" lvl="1" indent="0" algn="l" defTabSz="914400" rtl="0" eaLnBrk="0" fontAlgn="base" latinLnBrk="0" hangingPunct="0">
+              <a:lnSpc>
+                <a:spcPct val="200000"/>
+              </a:lnSpc>
+              <a:spcBef>
+                <a:spcPct val="0"/>
+              </a:spcBef>
+              <a:spcAft>
+                <a:spcPct val="0"/>
+              </a:spcAft>
+              <a:buClrTx/>
+              <a:buSzTx/>
+              <a:buFontTx/>
+              <a:buChar char="•"/>
+              <a:tabLst/>
+            </a:pPr>
+            <a:r>
+              <a:rPr kumimoji="0" lang="en-US" altLang="en-US" sz="1800" b="0" i="0" u="none" strike="noStrike" cap="none" normalizeH="0" baseline="0" dirty="0" smtClean="0">
+                <a:ln>
+                  <a:noFill/>
+                </a:ln>
+                <a:solidFill>
+                  <a:schemeClr val="tx1"/>
+                </a:solidFill>
+                <a:effectLst/>
+                <a:latin typeface="+mj-lt"/>
+              </a:rPr>
+              <a:t>Classification → Logistic, </a:t>
+            </a:r>
+            <a:r>
+              <a:rPr kumimoji="0" lang="en-US" altLang="en-US" sz="1800" b="0" i="0" u="none" strike="noStrike" cap="none" normalizeH="0" baseline="0" dirty="0" err="1" smtClean="0">
+                <a:ln>
+                  <a:noFill/>
+                </a:ln>
+                <a:solidFill>
+                  <a:schemeClr val="tx1"/>
+                </a:solidFill>
+                <a:effectLst/>
+                <a:latin typeface="+mj-lt"/>
+              </a:rPr>
+              <a:t>DecisionTree</a:t>
+            </a:r>
+            <a:r>
+              <a:rPr kumimoji="0" lang="en-US" altLang="en-US" sz="1800" b="0" i="0" u="none" strike="noStrike" cap="none" normalizeH="0" baseline="0" dirty="0" smtClean="0">
+                <a:ln>
+                  <a:noFill/>
+                </a:ln>
+                <a:solidFill>
+                  <a:schemeClr val="tx1"/>
+                </a:solidFill>
+                <a:effectLst/>
+                <a:latin typeface="+mj-lt"/>
+              </a:rPr>
+              <a:t>, SVM</a:t>
+            </a:r>
+          </a:p>
+          <a:p>
+            <a:pPr marL="457200" marR="0" lvl="1" indent="0" algn="l" defTabSz="914400" rtl="0" eaLnBrk="0" fontAlgn="base" latinLnBrk="0" hangingPunct="0">
+              <a:lnSpc>
+                <a:spcPct val="200000"/>
+              </a:lnSpc>
+              <a:spcBef>
+                <a:spcPct val="0"/>
+              </a:spcBef>
+              <a:spcAft>
+                <a:spcPct val="0"/>
+              </a:spcAft>
+              <a:buClrTx/>
+              <a:buSzTx/>
+              <a:buFontTx/>
+              <a:buChar char="•"/>
+              <a:tabLst/>
+            </a:pPr>
+            <a:r>
+              <a:rPr kumimoji="0" lang="en-US" altLang="en-US" sz="1800" b="0" i="0" u="none" strike="noStrike" cap="none" normalizeH="0" baseline="0" dirty="0" smtClean="0">
+                <a:ln>
+                  <a:noFill/>
+                </a:ln>
+                <a:solidFill>
+                  <a:schemeClr val="tx1"/>
+                </a:solidFill>
+                <a:effectLst/>
+                <a:latin typeface="+mj-lt"/>
+              </a:rPr>
+              <a:t>Clustering → </a:t>
+            </a:r>
+            <a:r>
+              <a:rPr kumimoji="0" lang="en-US" altLang="en-US" sz="1800" b="0" i="0" u="none" strike="noStrike" cap="none" normalizeH="0" baseline="0" dirty="0" err="1" smtClean="0">
+                <a:ln>
+                  <a:noFill/>
+                </a:ln>
+                <a:solidFill>
+                  <a:schemeClr val="tx1"/>
+                </a:solidFill>
+                <a:effectLst/>
+                <a:latin typeface="+mj-lt"/>
+              </a:rPr>
+              <a:t>KMeans</a:t>
+            </a:r>
+            <a:r>
+              <a:rPr kumimoji="0" lang="en-US" altLang="en-US" sz="1800" b="0" i="0" u="none" strike="noStrike" cap="none" normalizeH="0" baseline="0" dirty="0" smtClean="0">
+                <a:ln>
+                  <a:noFill/>
+                </a:ln>
+                <a:solidFill>
+                  <a:schemeClr val="tx1"/>
+                </a:solidFill>
+                <a:effectLst/>
+                <a:latin typeface="+mj-lt"/>
+              </a:rPr>
+              <a:t>, DBSCAN</a:t>
+            </a:r>
+          </a:p>
+          <a:p>
+            <a:pPr marL="457200" marR="0" lvl="1" indent="0" algn="l" defTabSz="914400" rtl="0" eaLnBrk="0" fontAlgn="base" latinLnBrk="0" hangingPunct="0">
+              <a:lnSpc>
+                <a:spcPct val="200000"/>
+              </a:lnSpc>
+              <a:spcBef>
+                <a:spcPct val="0"/>
+              </a:spcBef>
+              <a:spcAft>
+                <a:spcPct val="0"/>
+              </a:spcAft>
+              <a:buClrTx/>
+              <a:buSzTx/>
+              <a:buFontTx/>
+              <a:buChar char="•"/>
+              <a:tabLst/>
+            </a:pPr>
+            <a:r>
+              <a:rPr kumimoji="0" lang="en-US" altLang="en-US" sz="1800" b="0" i="0" u="none" strike="noStrike" cap="none" normalizeH="0" baseline="0" dirty="0" smtClean="0">
+                <a:ln>
+                  <a:noFill/>
+                </a:ln>
+                <a:solidFill>
+                  <a:schemeClr val="tx1"/>
+                </a:solidFill>
+                <a:effectLst/>
+                <a:latin typeface="+mj-lt"/>
+              </a:rPr>
+              <a:t>NLP → Transformer, Naive Bayes</a:t>
+            </a:r>
+          </a:p>
+          <a:p>
+            <a:pPr marL="457200" marR="0" lvl="1" indent="0" algn="l" defTabSz="914400" rtl="0" eaLnBrk="0" fontAlgn="base" latinLnBrk="0" hangingPunct="0">
+              <a:lnSpc>
+                <a:spcPct val="200000"/>
+              </a:lnSpc>
+              <a:spcBef>
+                <a:spcPct val="0"/>
+              </a:spcBef>
+              <a:spcAft>
+                <a:spcPct val="0"/>
+              </a:spcAft>
+              <a:buClrTx/>
+              <a:buSzTx/>
+              <a:buFontTx/>
+              <a:buChar char="•"/>
+              <a:tabLst/>
+            </a:pPr>
+            <a:r>
+              <a:rPr kumimoji="0" lang="en-US" altLang="en-US" sz="1800" b="0" i="0" u="none" strike="noStrike" cap="none" normalizeH="0" baseline="0" dirty="0" smtClean="0">
+                <a:ln>
+                  <a:noFill/>
+                </a:ln>
+                <a:solidFill>
+                  <a:schemeClr val="tx1"/>
+                </a:solidFill>
+                <a:effectLst/>
+                <a:latin typeface="+mj-lt"/>
+              </a:rPr>
+              <a:t>Image → CNN</a:t>
+            </a:r>
+          </a:p>
+          <a:p>
+            <a:pPr marL="0" marR="0" lvl="0" indent="0" algn="l" defTabSz="914400" rtl="0" eaLnBrk="0" fontAlgn="base" latinLnBrk="0" hangingPunct="0">
+              <a:lnSpc>
+                <a:spcPct val="200000"/>
+              </a:lnSpc>
+              <a:spcBef>
+                <a:spcPct val="0"/>
+              </a:spcBef>
+              <a:spcAft>
+                <a:spcPct val="0"/>
+              </a:spcAft>
+              <a:buClrTx/>
+              <a:buSzTx/>
+              <a:buFontTx/>
+              <a:buChar char="•"/>
+              <a:tabLst/>
+            </a:pPr>
+            <a:r>
+              <a:rPr kumimoji="0" lang="en-US" altLang="en-US" sz="1800" b="0" i="0" u="none" strike="noStrike" cap="none" normalizeH="0" baseline="0" dirty="0" smtClean="0">
+                <a:ln>
+                  <a:noFill/>
+                </a:ln>
+                <a:solidFill>
+                  <a:schemeClr val="tx1"/>
+                </a:solidFill>
+                <a:effectLst/>
+                <a:latin typeface="+mj-lt"/>
+              </a:rPr>
+              <a:t>In ML.NET: choose trainer </a:t>
+            </a:r>
+            <a:r>
+              <a:rPr kumimoji="0" lang="en-US" altLang="en-US" sz="3200" b="0" i="0" u="none" strike="noStrike" cap="none" normalizeH="0" baseline="0" dirty="0" smtClean="0">
+                <a:ln>
+                  <a:noFill/>
+                </a:ln>
+                <a:solidFill>
+                  <a:schemeClr val="tx1"/>
+                </a:solidFill>
+                <a:effectLst/>
+                <a:latin typeface="+mj-lt"/>
+              </a:rPr>
+              <a:t>(</a:t>
+            </a:r>
+            <a:r>
+              <a:rPr kumimoji="0" lang="en-US" altLang="en-US" sz="1400" b="0" i="0" u="none" strike="noStrike" cap="none" normalizeH="0" baseline="0" dirty="0" err="1" smtClean="0">
+                <a:ln>
+                  <a:noFill/>
+                </a:ln>
+                <a:solidFill>
+                  <a:schemeClr val="tx1"/>
+                </a:solidFill>
+                <a:effectLst/>
+                <a:latin typeface="+mj-lt"/>
+              </a:rPr>
+              <a:t>SdcaRegressionTrainer</a:t>
+            </a:r>
+            <a:r>
+              <a:rPr kumimoji="0" lang="en-US" altLang="en-US" sz="1100" b="0" i="0" u="none" strike="noStrike" cap="none" normalizeH="0" baseline="0" dirty="0" smtClean="0">
+                <a:ln>
+                  <a:noFill/>
+                </a:ln>
+                <a:solidFill>
+                  <a:schemeClr val="tx1"/>
+                </a:solidFill>
+                <a:effectLst/>
+                <a:latin typeface="+mj-lt"/>
+              </a:rPr>
+              <a:t>, </a:t>
+            </a:r>
+            <a:r>
+              <a:rPr kumimoji="0" lang="en-US" altLang="en-US" sz="1400" b="0" i="0" u="none" strike="noStrike" cap="none" normalizeH="0" baseline="0" dirty="0" err="1" smtClean="0">
+                <a:ln>
+                  <a:noFill/>
+                </a:ln>
+                <a:solidFill>
+                  <a:schemeClr val="tx1"/>
+                </a:solidFill>
+                <a:effectLst/>
+                <a:latin typeface="+mj-lt"/>
+              </a:rPr>
+              <a:t>FastTree</a:t>
+            </a:r>
+            <a:r>
+              <a:rPr kumimoji="0" lang="en-US" altLang="en-US" sz="1100" b="0" i="0" u="none" strike="noStrike" cap="none" normalizeH="0" baseline="0" dirty="0" smtClean="0">
+                <a:ln>
+                  <a:noFill/>
+                </a:ln>
+                <a:solidFill>
+                  <a:schemeClr val="tx1"/>
+                </a:solidFill>
+                <a:effectLst/>
+                <a:latin typeface="+mj-lt"/>
+              </a:rPr>
+              <a:t>, etc.)</a:t>
+            </a:r>
+            <a:endParaRPr kumimoji="0" lang="en-US" altLang="en-US" sz="3200" b="0" i="0" u="none" strike="noStrike" cap="none" normalizeH="0" baseline="0" dirty="0" smtClean="0">
+              <a:ln>
+                <a:noFill/>
+              </a:ln>
+              <a:solidFill>
+                <a:schemeClr val="tx1"/>
+              </a:solidFill>
+              <a:effectLst/>
+              <a:latin typeface="+mj-lt"/>
+            </a:endParaRPr>
+          </a:p>
+          <a:p>
+            <a:pPr marL="0" marR="0" lvl="0" indent="0" algn="l" defTabSz="914400" rtl="0" eaLnBrk="0" fontAlgn="base" latinLnBrk="0" hangingPunct="0">
+              <a:lnSpc>
+                <a:spcPct val="200000"/>
+              </a:lnSpc>
+              <a:spcBef>
+                <a:spcPct val="0"/>
+              </a:spcBef>
+              <a:spcAft>
+                <a:spcPct val="0"/>
+              </a:spcAft>
+              <a:buClrTx/>
+              <a:buSzTx/>
+              <a:buFontTx/>
+              <a:buNone/>
+              <a:tabLst/>
+            </a:pPr>
+            <a:endParaRPr kumimoji="0" lang="en-US" altLang="en-US" sz="1800" b="0" i="0" u="none" strike="noStrike" cap="none" normalizeH="0" baseline="0" dirty="0" smtClean="0">
+              <a:ln>
+                <a:noFill/>
+              </a:ln>
+              <a:solidFill>
+                <a:schemeClr val="tx1"/>
+              </a:solidFill>
+              <a:effectLst/>
+              <a:latin typeface="+mj-lt"/>
+            </a:endParaRPr>
+          </a:p>
+        </p:txBody>
+      </p:sp>
+    </p:spTree>
+    <p:extLst>
+      <p:ext uri="{BB962C8B-B14F-4D97-AF65-F5344CB8AC3E}">
+        <p14:creationId xmlns:p14="http://schemas.microsoft.com/office/powerpoint/2010/main" val="631484437"/>
+      </p:ext>
+    </p:extLst>
+  </p:cSld>
+  <p:clrMapOvr>
+    <a:masterClrMapping/>
+  </p:clrMapOvr>
+</p:sld>
+</file>
+
+<file path=ppt/slides/slide16.xml><?xml version="1.0" encoding="utf-8"?>
+<p:sld xmlns:a="http://schemas.openxmlformats.org/drawingml/2006/main" xmlns:r="http://schemas.openxmlformats.org/officeDocument/2006/relationships" xmlns:p="http://schemas.openxmlformats.org/presentationml/2006/main">
+  <p:cSld>
+    <p:spTree>
+      <p:nvGrpSpPr>
+        <p:cNvPr id="1" name=""/>
+        <p:cNvGrpSpPr/>
+        <p:nvPr/>
+      </p:nvGrpSpPr>
+      <p:grpSpPr>
+        <a:xfrm>
+          <a:off x="0" y="0"/>
+          <a:ext cx="0" cy="0"/>
+          <a:chOff x="0" y="0"/>
+          <a:chExt cx="0" cy="0"/>
+        </a:xfrm>
+      </p:grpSpPr>
+      <p:sp>
+        <p:nvSpPr>
+          <p:cNvPr id="2" name="Rectangle 1"/>
+          <p:cNvSpPr>
+            <a:spLocks noChangeArrowheads="1"/>
+          </p:cNvSpPr>
+          <p:nvPr/>
+        </p:nvSpPr>
+        <p:spPr bwMode="auto">
+          <a:xfrm>
+            <a:off x="1137423" y="1075214"/>
+            <a:ext cx="5307981" cy="3446456"/>
+          </a:xfrm>
+          <a:prstGeom prst="rect">
+            <a:avLst/>
+          </a:prstGeom>
+          <a:noFill/>
+          <a:ln>
+            <a:noFill/>
+          </a:ln>
+          <a:effectLst/>
+          <a:extLst>
+            <a:ext uri="{909E8E84-426E-40DD-AFC4-6F175D3DCCD1}">
+              <a14:hiddenFill xmlns:a14="http://schemas.microsoft.com/office/drawing/2010/main">
+                <a:solidFill>
+                  <a:schemeClr val="accent1"/>
+                </a:solidFill>
+              </a14:hiddenFill>
+            </a:ext>
+            <a:ext uri="{91240B29-F687-4F45-9708-019B960494DF}">
+              <a14:hiddenLine xmlns:a14="http://schemas.microsoft.com/office/drawing/2010/main" w="9525">
+                <a:solidFill>
+                  <a:schemeClr val="tx1"/>
+                </a:solidFill>
+                <a:miter lim="800000"/>
+                <a:headEnd/>
+                <a:tailEnd/>
+              </a14:hiddenLine>
+            </a:ext>
+            <a:ext uri="{AF507438-7753-43E0-B8FC-AC1667EBCBE1}">
+              <a14:hiddenEffects xmlns:a14="http://schemas.microsoft.com/office/drawing/2010/main">
+                <a:effectLst>
+                  <a:outerShdw dist="35921" dir="2700000" algn="ctr" rotWithShape="0">
+                    <a:schemeClr val="bg2"/>
+                  </a:outerShdw>
+                </a:effectLst>
+              </a14:hiddenEffects>
+            </a:ext>
+          </a:extLst>
+        </p:spPr>
+        <p:txBody>
+          <a:bodyPr vert="horz" wrap="square" lIns="91440" tIns="45720" rIns="91440" bIns="45720" numCol="1" anchor="ctr" anchorCtr="0" compatLnSpc="1">
+            <a:prstTxWarp prst="textNoShape">
+              <a:avLst/>
+            </a:prstTxWarp>
+            <a:spAutoFit/>
+          </a:bodyPr>
+          <a:lstStyle/>
+          <a:p>
+            <a:pPr marL="0" marR="0" lvl="0" indent="0" algn="l" defTabSz="914400" rtl="0" eaLnBrk="0" fontAlgn="base" latinLnBrk="0" hangingPunct="0">
+              <a:lnSpc>
+                <a:spcPct val="250000"/>
+              </a:lnSpc>
+              <a:spcBef>
+                <a:spcPct val="0"/>
+              </a:spcBef>
+              <a:spcAft>
+                <a:spcPct val="0"/>
+              </a:spcAft>
+              <a:buClrTx/>
+              <a:buSzTx/>
+              <a:buFontTx/>
+              <a:buNone/>
+              <a:tabLst/>
+            </a:pPr>
+            <a:r>
+              <a:rPr kumimoji="0" lang="en-US" altLang="en-US" b="1" i="0" u="none" strike="noStrike" cap="none" normalizeH="0" baseline="0" dirty="0" smtClean="0">
+                <a:ln>
+                  <a:noFill/>
+                </a:ln>
+                <a:solidFill>
+                  <a:schemeClr val="tx1"/>
+                </a:solidFill>
+                <a:effectLst/>
+                <a:latin typeface="+mj-lt"/>
+              </a:rPr>
+              <a:t>7. Train Model</a:t>
+            </a:r>
+          </a:p>
+          <a:p>
+            <a:pPr marL="0" marR="0" lvl="0" indent="0" algn="l" defTabSz="914400" rtl="0" eaLnBrk="0" fontAlgn="base" latinLnBrk="0" hangingPunct="0">
+              <a:lnSpc>
+                <a:spcPct val="250000"/>
+              </a:lnSpc>
+              <a:spcBef>
+                <a:spcPct val="0"/>
+              </a:spcBef>
+              <a:spcAft>
+                <a:spcPct val="0"/>
+              </a:spcAft>
+              <a:buClrTx/>
+              <a:buSzTx/>
+              <a:buFontTx/>
+              <a:buChar char="•"/>
+              <a:tabLst/>
+            </a:pPr>
+            <a:r>
+              <a:rPr kumimoji="0" lang="en-US" altLang="en-US" b="0" i="0" u="none" strike="noStrike" cap="none" normalizeH="0" baseline="0" dirty="0" smtClean="0">
+                <a:ln>
+                  <a:noFill/>
+                </a:ln>
+                <a:solidFill>
+                  <a:schemeClr val="tx1"/>
+                </a:solidFill>
+                <a:effectLst/>
+                <a:latin typeface="+mj-lt"/>
+              </a:rPr>
+              <a:t>Fit the model on training data.</a:t>
+            </a:r>
+          </a:p>
+          <a:p>
+            <a:pPr marL="0" marR="0" lvl="0" indent="0" algn="l" defTabSz="914400" rtl="0" eaLnBrk="0" fontAlgn="base" latinLnBrk="0" hangingPunct="0">
+              <a:lnSpc>
+                <a:spcPct val="250000"/>
+              </a:lnSpc>
+              <a:spcBef>
+                <a:spcPct val="0"/>
+              </a:spcBef>
+              <a:spcAft>
+                <a:spcPct val="0"/>
+              </a:spcAft>
+              <a:buClrTx/>
+              <a:buSzTx/>
+              <a:buFontTx/>
+              <a:buChar char="•"/>
+              <a:tabLst/>
+            </a:pPr>
+            <a:r>
+              <a:rPr kumimoji="0" lang="en-US" altLang="en-US" b="0" i="0" u="none" strike="noStrike" cap="none" normalizeH="0" baseline="0" dirty="0" smtClean="0">
+                <a:ln>
+                  <a:noFill/>
+                </a:ln>
+                <a:solidFill>
+                  <a:schemeClr val="tx1"/>
+                </a:solidFill>
+                <a:effectLst/>
+                <a:latin typeface="+mj-lt"/>
+              </a:rPr>
+              <a:t>Learn relationships or patterns.</a:t>
+            </a:r>
+          </a:p>
+          <a:p>
+            <a:pPr marL="0" marR="0" lvl="0" indent="0" algn="l" defTabSz="914400" rtl="0" eaLnBrk="0" fontAlgn="base" latinLnBrk="0" hangingPunct="0">
+              <a:lnSpc>
+                <a:spcPct val="250000"/>
+              </a:lnSpc>
+              <a:spcBef>
+                <a:spcPct val="0"/>
+              </a:spcBef>
+              <a:spcAft>
+                <a:spcPct val="0"/>
+              </a:spcAft>
+              <a:buClrTx/>
+              <a:buSzTx/>
+              <a:tabLst/>
+            </a:pPr>
+            <a:r>
+              <a:rPr kumimoji="0" lang="en-US" altLang="en-US" b="0" i="0" u="none" strike="noStrike" cap="none" normalizeH="0" baseline="0" dirty="0" smtClean="0">
+                <a:ln>
+                  <a:noFill/>
+                </a:ln>
+                <a:solidFill>
+                  <a:schemeClr val="tx1"/>
+                </a:solidFill>
+                <a:effectLst/>
+                <a:latin typeface="+mj-lt"/>
+              </a:rPr>
+              <a:t> </a:t>
+            </a:r>
+            <a:r>
+              <a:rPr kumimoji="0" lang="en-US" altLang="en-US" b="0" i="1" u="none" strike="noStrike" cap="none" normalizeH="0" baseline="0" dirty="0" smtClean="0">
+                <a:ln>
+                  <a:noFill/>
+                </a:ln>
+                <a:solidFill>
+                  <a:schemeClr val="tx1"/>
+                </a:solidFill>
+                <a:effectLst/>
+                <a:latin typeface="+mj-lt"/>
+              </a:rPr>
+              <a:t>Example:</a:t>
+            </a:r>
+            <a:endParaRPr kumimoji="0" lang="en-US" altLang="en-US" b="0" i="0" u="none" strike="noStrike" cap="none" normalizeH="0" baseline="0" dirty="0" smtClean="0">
+              <a:ln>
+                <a:noFill/>
+              </a:ln>
+              <a:solidFill>
+                <a:schemeClr val="tx1"/>
+              </a:solidFill>
+              <a:effectLst/>
+              <a:latin typeface="+mj-lt"/>
+            </a:endParaRPr>
+          </a:p>
+          <a:p>
+            <a:pPr marL="0" marR="0" lvl="0" indent="0" algn="l" defTabSz="914400" rtl="0" eaLnBrk="0" fontAlgn="base" latinLnBrk="0" hangingPunct="0">
+              <a:lnSpc>
+                <a:spcPct val="250000"/>
+              </a:lnSpc>
+              <a:spcBef>
+                <a:spcPct val="0"/>
+              </a:spcBef>
+              <a:spcAft>
+                <a:spcPct val="0"/>
+              </a:spcAft>
+              <a:buClrTx/>
+              <a:buSzTx/>
+              <a:buFontTx/>
+              <a:buNone/>
+              <a:tabLst/>
+            </a:pPr>
+            <a:r>
+              <a:rPr kumimoji="0" lang="en-US" altLang="en-US" b="0" i="0" u="none" strike="noStrike" cap="none" normalizeH="0" baseline="0" dirty="0" err="1" smtClean="0">
+                <a:ln>
+                  <a:noFill/>
+                </a:ln>
+                <a:solidFill>
+                  <a:schemeClr val="tx1"/>
+                </a:solidFill>
+                <a:effectLst/>
+                <a:latin typeface="+mj-lt"/>
+              </a:rPr>
+              <a:t>model.fit</a:t>
+            </a:r>
+            <a:r>
+              <a:rPr kumimoji="0" lang="en-US" altLang="en-US" b="0" i="0" u="none" strike="noStrike" cap="none" normalizeH="0" baseline="0" dirty="0" smtClean="0">
+                <a:ln>
+                  <a:noFill/>
+                </a:ln>
+                <a:solidFill>
+                  <a:schemeClr val="tx1"/>
+                </a:solidFill>
+                <a:effectLst/>
+                <a:latin typeface="+mj-lt"/>
+              </a:rPr>
+              <a:t>(</a:t>
+            </a:r>
+            <a:r>
+              <a:rPr kumimoji="0" lang="en-US" altLang="en-US" b="0" i="0" u="none" strike="noStrike" cap="none" normalizeH="0" baseline="0" dirty="0" err="1" smtClean="0">
+                <a:ln>
+                  <a:noFill/>
+                </a:ln>
+                <a:solidFill>
+                  <a:schemeClr val="tx1"/>
+                </a:solidFill>
+                <a:effectLst/>
+                <a:latin typeface="+mj-lt"/>
+              </a:rPr>
+              <a:t>X_train</a:t>
+            </a:r>
+            <a:r>
+              <a:rPr kumimoji="0" lang="en-US" altLang="en-US" b="0" i="0" u="none" strike="noStrike" cap="none" normalizeH="0" baseline="0" dirty="0" smtClean="0">
+                <a:ln>
+                  <a:noFill/>
+                </a:ln>
+                <a:solidFill>
+                  <a:schemeClr val="tx1"/>
+                </a:solidFill>
+                <a:effectLst/>
+                <a:latin typeface="+mj-lt"/>
+              </a:rPr>
+              <a:t>, </a:t>
+            </a:r>
+            <a:r>
+              <a:rPr kumimoji="0" lang="en-US" altLang="en-US" b="0" i="0" u="none" strike="noStrike" cap="none" normalizeH="0" baseline="0" dirty="0" err="1" smtClean="0">
+                <a:ln>
+                  <a:noFill/>
+                </a:ln>
+                <a:solidFill>
+                  <a:schemeClr val="tx1"/>
+                </a:solidFill>
+                <a:effectLst/>
+                <a:latin typeface="+mj-lt"/>
+              </a:rPr>
+              <a:t>y_train</a:t>
+            </a:r>
+            <a:r>
+              <a:rPr kumimoji="0" lang="en-US" altLang="en-US" b="0" i="0" u="none" strike="noStrike" cap="none" normalizeH="0" baseline="0" dirty="0" smtClean="0">
+                <a:ln>
+                  <a:noFill/>
+                </a:ln>
+                <a:solidFill>
+                  <a:schemeClr val="tx1"/>
+                </a:solidFill>
+                <a:effectLst/>
+                <a:latin typeface="+mj-lt"/>
+              </a:rPr>
+              <a:t>)</a:t>
+            </a:r>
+          </a:p>
+        </p:txBody>
+      </p:sp>
+    </p:spTree>
+    <p:extLst>
+      <p:ext uri="{BB962C8B-B14F-4D97-AF65-F5344CB8AC3E}">
+        <p14:creationId xmlns:p14="http://schemas.microsoft.com/office/powerpoint/2010/main" val="4018632936"/>
+      </p:ext>
+    </p:extLst>
+  </p:cSld>
+  <p:clrMapOvr>
+    <a:masterClrMapping/>
+  </p:clrMapOvr>
+</p:sld>
+</file>
+
+<file path=ppt/slides/slide17.xml><?xml version="1.0" encoding="utf-8"?>
+<p:sld xmlns:a="http://schemas.openxmlformats.org/drawingml/2006/main" xmlns:r="http://schemas.openxmlformats.org/officeDocument/2006/relationships" xmlns:p="http://schemas.openxmlformats.org/presentationml/2006/main">
+  <p:cSld>
+    <p:spTree>
+      <p:nvGrpSpPr>
+        <p:cNvPr id="1" name=""/>
+        <p:cNvGrpSpPr/>
+        <p:nvPr/>
+      </p:nvGrpSpPr>
+      <p:grpSpPr>
+        <a:xfrm>
+          <a:off x="0" y="0"/>
+          <a:ext cx="0" cy="0"/>
+          <a:chOff x="0" y="0"/>
+          <a:chExt cx="0" cy="0"/>
+        </a:xfrm>
+      </p:grpSpPr>
+      <p:sp>
+        <p:nvSpPr>
+          <p:cNvPr id="2" name="Rectangle 1"/>
+          <p:cNvSpPr>
+            <a:spLocks noChangeArrowheads="1"/>
+          </p:cNvSpPr>
+          <p:nvPr/>
+        </p:nvSpPr>
+        <p:spPr bwMode="auto">
+          <a:xfrm>
+            <a:off x="702527" y="857065"/>
+            <a:ext cx="6936058" cy="3939540"/>
+          </a:xfrm>
+          <a:prstGeom prst="rect">
+            <a:avLst/>
+          </a:prstGeom>
+          <a:noFill/>
+          <a:ln>
+            <a:noFill/>
+          </a:ln>
+          <a:effectLst/>
+          <a:extLst>
+            <a:ext uri="{909E8E84-426E-40DD-AFC4-6F175D3DCCD1}">
+              <a14:hiddenFill xmlns:a14="http://schemas.microsoft.com/office/drawing/2010/main">
+                <a:solidFill>
+                  <a:schemeClr val="accent1"/>
+                </a:solidFill>
+              </a14:hiddenFill>
+            </a:ext>
+            <a:ext uri="{91240B29-F687-4F45-9708-019B960494DF}">
+              <a14:hiddenLine xmlns:a14="http://schemas.microsoft.com/office/drawing/2010/main" w="9525">
+                <a:solidFill>
+                  <a:schemeClr val="tx1"/>
+                </a:solidFill>
+                <a:miter lim="800000"/>
+                <a:headEnd/>
+                <a:tailEnd/>
+              </a14:hiddenLine>
+            </a:ext>
+            <a:ext uri="{AF507438-7753-43E0-B8FC-AC1667EBCBE1}">
+              <a14:hiddenEffects xmlns:a14="http://schemas.microsoft.com/office/drawing/2010/main">
+                <a:effectLst>
+                  <a:outerShdw dist="35921" dir="2700000" algn="ctr" rotWithShape="0">
+                    <a:schemeClr val="bg2"/>
+                  </a:outerShdw>
+                </a:effectLst>
+              </a14:hiddenEffects>
+            </a:ext>
+          </a:extLst>
+        </p:spPr>
+        <p:txBody>
+          <a:bodyPr vert="horz" wrap="square" lIns="91440" tIns="45720" rIns="91440" bIns="45720" numCol="1" anchor="ctr" anchorCtr="0" compatLnSpc="1">
+            <a:prstTxWarp prst="textNoShape">
+              <a:avLst/>
+            </a:prstTxWarp>
+            <a:spAutoFit/>
+          </a:bodyPr>
+          <a:lstStyle/>
+          <a:p>
+            <a:pPr marL="0" marR="0" lvl="0" indent="0" algn="l" defTabSz="914400" rtl="0" eaLnBrk="0" fontAlgn="base" latinLnBrk="0" hangingPunct="0">
+              <a:lnSpc>
+                <a:spcPct val="250000"/>
+              </a:lnSpc>
+              <a:spcBef>
+                <a:spcPct val="0"/>
+              </a:spcBef>
+              <a:spcAft>
+                <a:spcPct val="0"/>
+              </a:spcAft>
+              <a:buClrTx/>
+              <a:buSzTx/>
+              <a:buFontTx/>
+              <a:buNone/>
+              <a:tabLst/>
+            </a:pPr>
+            <a:r>
+              <a:rPr kumimoji="0" lang="en-US" altLang="en-US" sz="2000" b="1" i="0" u="none" strike="noStrike" cap="none" normalizeH="0" baseline="0" dirty="0" smtClean="0">
+                <a:ln>
+                  <a:noFill/>
+                </a:ln>
+                <a:solidFill>
+                  <a:schemeClr val="tx1"/>
+                </a:solidFill>
+                <a:effectLst/>
+                <a:latin typeface="+mj-lt"/>
+              </a:rPr>
+              <a:t>8. Predict (Inference Phase)</a:t>
+            </a:r>
+          </a:p>
+          <a:p>
+            <a:pPr marL="0" marR="0" lvl="0" indent="0" algn="l" defTabSz="914400" rtl="0" eaLnBrk="0" fontAlgn="base" latinLnBrk="0" hangingPunct="0">
+              <a:lnSpc>
+                <a:spcPct val="250000"/>
+              </a:lnSpc>
+              <a:spcBef>
+                <a:spcPct val="0"/>
+              </a:spcBef>
+              <a:spcAft>
+                <a:spcPct val="0"/>
+              </a:spcAft>
+              <a:buClrTx/>
+              <a:buSzTx/>
+              <a:buFontTx/>
+              <a:buChar char="•"/>
+              <a:tabLst/>
+            </a:pPr>
+            <a:r>
+              <a:rPr kumimoji="0" lang="en-US" altLang="en-US" sz="2000" b="0" i="0" u="none" strike="noStrike" cap="none" normalizeH="0" baseline="0" dirty="0" smtClean="0">
+                <a:ln>
+                  <a:noFill/>
+                </a:ln>
+                <a:solidFill>
+                  <a:schemeClr val="tx1"/>
+                </a:solidFill>
+                <a:effectLst/>
+                <a:latin typeface="+mj-lt"/>
+              </a:rPr>
+              <a:t>Use the trained model to make predictions on test/unseen data.</a:t>
+            </a:r>
+          </a:p>
+          <a:p>
+            <a:pPr marL="0" marR="0" lvl="0" indent="0" algn="l" defTabSz="914400" rtl="0" eaLnBrk="0" fontAlgn="base" latinLnBrk="0" hangingPunct="0">
+              <a:lnSpc>
+                <a:spcPct val="250000"/>
+              </a:lnSpc>
+              <a:spcBef>
+                <a:spcPct val="0"/>
+              </a:spcBef>
+              <a:spcAft>
+                <a:spcPct val="0"/>
+              </a:spcAft>
+              <a:buClrTx/>
+              <a:buSzTx/>
+              <a:buFontTx/>
+              <a:buChar char="•"/>
+              <a:tabLst/>
+            </a:pPr>
+            <a:r>
+              <a:rPr kumimoji="0" lang="en-US" altLang="en-US" sz="2000" b="0" i="0" u="none" strike="noStrike" cap="none" normalizeH="0" baseline="0" dirty="0" smtClean="0">
+                <a:ln>
+                  <a:noFill/>
+                </a:ln>
+                <a:solidFill>
+                  <a:schemeClr val="tx1"/>
+                </a:solidFill>
+                <a:effectLst/>
+                <a:latin typeface="+mj-lt"/>
+              </a:rPr>
+              <a:t>Compare predicted vs actual results.</a:t>
+            </a:r>
+          </a:p>
+          <a:p>
+            <a:pPr marL="0" marR="0" lvl="0" indent="0" algn="l" defTabSz="914400" rtl="0" eaLnBrk="0" fontAlgn="base" latinLnBrk="0" hangingPunct="0">
+              <a:lnSpc>
+                <a:spcPct val="250000"/>
+              </a:lnSpc>
+              <a:spcBef>
+                <a:spcPct val="0"/>
+              </a:spcBef>
+              <a:spcAft>
+                <a:spcPct val="0"/>
+              </a:spcAft>
+              <a:buClrTx/>
+              <a:buSzTx/>
+              <a:buFontTx/>
+              <a:buNone/>
+              <a:tabLst/>
+            </a:pPr>
+            <a:r>
+              <a:rPr kumimoji="0" lang="en-US" altLang="en-US" sz="2000" b="0" i="0" u="none" strike="noStrike" cap="none" normalizeH="0" baseline="0" dirty="0" smtClean="0">
+                <a:ln>
+                  <a:noFill/>
+                </a:ln>
+                <a:solidFill>
+                  <a:schemeClr val="tx1"/>
+                </a:solidFill>
+                <a:effectLst/>
+                <a:latin typeface="+mj-lt"/>
+              </a:rPr>
+              <a:t>📘 </a:t>
+            </a:r>
+            <a:r>
+              <a:rPr kumimoji="0" lang="en-US" altLang="en-US" sz="2000" b="0" i="1" u="none" strike="noStrike" cap="none" normalizeH="0" baseline="0" dirty="0" smtClean="0">
+                <a:ln>
+                  <a:noFill/>
+                </a:ln>
+                <a:solidFill>
+                  <a:schemeClr val="tx1"/>
+                </a:solidFill>
+                <a:effectLst/>
+                <a:latin typeface="+mj-lt"/>
+              </a:rPr>
+              <a:t>Example:</a:t>
+            </a:r>
+            <a:endParaRPr kumimoji="0" lang="en-US" altLang="en-US" sz="2000" b="0" i="0" u="none" strike="noStrike" cap="none" normalizeH="0" baseline="0" dirty="0" smtClean="0">
+              <a:ln>
+                <a:noFill/>
+              </a:ln>
+              <a:solidFill>
+                <a:schemeClr val="tx1"/>
+              </a:solidFill>
+              <a:effectLst/>
+              <a:latin typeface="+mj-lt"/>
+            </a:endParaRPr>
+          </a:p>
+          <a:p>
+            <a:pPr marL="0" marR="0" lvl="0" indent="0" algn="l" defTabSz="914400" rtl="0" eaLnBrk="0" fontAlgn="base" latinLnBrk="0" hangingPunct="0">
+              <a:lnSpc>
+                <a:spcPct val="250000"/>
+              </a:lnSpc>
+              <a:spcBef>
+                <a:spcPct val="0"/>
+              </a:spcBef>
+              <a:spcAft>
+                <a:spcPct val="0"/>
+              </a:spcAft>
+              <a:buClrTx/>
+              <a:buSzTx/>
+              <a:buFontTx/>
+              <a:buNone/>
+              <a:tabLst/>
+            </a:pPr>
+            <a:r>
+              <a:rPr kumimoji="0" lang="en-US" altLang="en-US" sz="2000" b="0" i="0" u="none" strike="noStrike" cap="none" normalizeH="0" baseline="0" dirty="0" err="1" smtClean="0">
+                <a:ln>
+                  <a:noFill/>
+                </a:ln>
+                <a:solidFill>
+                  <a:schemeClr val="tx1"/>
+                </a:solidFill>
+                <a:effectLst/>
+                <a:latin typeface="+mj-lt"/>
+              </a:rPr>
+              <a:t>y_pred</a:t>
+            </a:r>
+            <a:r>
+              <a:rPr kumimoji="0" lang="en-US" altLang="en-US" sz="2000" b="0" i="0" u="none" strike="noStrike" cap="none" normalizeH="0" baseline="0" dirty="0" smtClean="0">
+                <a:ln>
+                  <a:noFill/>
+                </a:ln>
+                <a:solidFill>
+                  <a:schemeClr val="tx1"/>
+                </a:solidFill>
+                <a:effectLst/>
+                <a:latin typeface="+mj-lt"/>
+              </a:rPr>
+              <a:t> = </a:t>
+            </a:r>
+            <a:r>
+              <a:rPr kumimoji="0" lang="en-US" altLang="en-US" sz="2000" b="0" i="0" u="none" strike="noStrike" cap="none" normalizeH="0" baseline="0" dirty="0" err="1" smtClean="0">
+                <a:ln>
+                  <a:noFill/>
+                </a:ln>
+                <a:solidFill>
+                  <a:schemeClr val="tx1"/>
+                </a:solidFill>
+                <a:effectLst/>
+                <a:latin typeface="+mj-lt"/>
+              </a:rPr>
+              <a:t>model.predict</a:t>
+            </a:r>
+            <a:r>
+              <a:rPr kumimoji="0" lang="en-US" altLang="en-US" sz="2000" b="0" i="0" u="none" strike="noStrike" cap="none" normalizeH="0" baseline="0" dirty="0" smtClean="0">
+                <a:ln>
+                  <a:noFill/>
+                </a:ln>
+                <a:solidFill>
+                  <a:schemeClr val="tx1"/>
+                </a:solidFill>
+                <a:effectLst/>
+                <a:latin typeface="+mj-lt"/>
+              </a:rPr>
+              <a:t>(</a:t>
+            </a:r>
+            <a:r>
+              <a:rPr kumimoji="0" lang="en-US" altLang="en-US" sz="2000" b="0" i="0" u="none" strike="noStrike" cap="none" normalizeH="0" baseline="0" dirty="0" err="1" smtClean="0">
+                <a:ln>
+                  <a:noFill/>
+                </a:ln>
+                <a:solidFill>
+                  <a:schemeClr val="tx1"/>
+                </a:solidFill>
+                <a:effectLst/>
+                <a:latin typeface="+mj-lt"/>
+              </a:rPr>
+              <a:t>X_test</a:t>
+            </a:r>
+            <a:r>
+              <a:rPr kumimoji="0" lang="en-US" altLang="en-US" sz="2000" b="0" i="0" u="none" strike="noStrike" cap="none" normalizeH="0" baseline="0" dirty="0" smtClean="0">
+                <a:ln>
+                  <a:noFill/>
+                </a:ln>
+                <a:solidFill>
+                  <a:schemeClr val="tx1"/>
+                </a:solidFill>
+                <a:effectLst/>
+                <a:latin typeface="+mj-lt"/>
+              </a:rPr>
+              <a:t>) </a:t>
+            </a:r>
+          </a:p>
+        </p:txBody>
+      </p:sp>
+    </p:spTree>
+    <p:extLst>
+      <p:ext uri="{BB962C8B-B14F-4D97-AF65-F5344CB8AC3E}">
+        <p14:creationId xmlns:p14="http://schemas.microsoft.com/office/powerpoint/2010/main" val="2150018663"/>
+      </p:ext>
+    </p:extLst>
+  </p:cSld>
+  <p:clrMapOvr>
+    <a:masterClrMapping/>
+  </p:clrMapOvr>
+</p:sld>
+</file>
+
+<file path=ppt/slides/slide18.xml><?xml version="1.0" encoding="utf-8"?>
+<p:sld xmlns:a="http://schemas.openxmlformats.org/drawingml/2006/main" xmlns:r="http://schemas.openxmlformats.org/officeDocument/2006/relationships" xmlns:p="http://schemas.openxmlformats.org/presentationml/2006/main">
+  <p:cSld>
+    <p:spTree>
+      <p:nvGrpSpPr>
+        <p:cNvPr id="1" name=""/>
+        <p:cNvGrpSpPr/>
+        <p:nvPr/>
+      </p:nvGrpSpPr>
+      <p:grpSpPr>
+        <a:xfrm>
+          <a:off x="0" y="0"/>
+          <a:ext cx="0" cy="0"/>
+          <a:chOff x="0" y="0"/>
+          <a:chExt cx="0" cy="0"/>
+        </a:xfrm>
+      </p:grpSpPr>
+      <p:sp>
+        <p:nvSpPr>
+          <p:cNvPr id="2" name="Rectangle 1"/>
+          <p:cNvSpPr/>
+          <p:nvPr/>
+        </p:nvSpPr>
+        <p:spPr>
+          <a:xfrm>
+            <a:off x="903249" y="1209007"/>
+            <a:ext cx="6679580" cy="5078313"/>
+          </a:xfrm>
+          <a:prstGeom prst="rect">
+            <a:avLst/>
+          </a:prstGeom>
+        </p:spPr>
+        <p:txBody>
+          <a:bodyPr wrap="square">
+            <a:spAutoFit/>
+          </a:bodyPr>
+          <a:lstStyle/>
+          <a:p>
+            <a:r>
+              <a:rPr lang="en-US" sz="2400" b="1" dirty="0"/>
+              <a:t>9. Evaluate Model Performance</a:t>
+            </a:r>
+          </a:p>
+          <a:p>
+            <a:pPr>
+              <a:lnSpc>
+                <a:spcPct val="250000"/>
+              </a:lnSpc>
+              <a:buFont typeface="Arial" panose="020B0604020202020204" pitchFamily="34" charset="0"/>
+              <a:buChar char="•"/>
+            </a:pPr>
+            <a:r>
+              <a:rPr lang="en-US" sz="2400" dirty="0"/>
+              <a:t>Choose metric based on task:</a:t>
+            </a:r>
+          </a:p>
+          <a:p>
+            <a:pPr marL="742950" lvl="1" indent="-285750">
+              <a:lnSpc>
+                <a:spcPct val="250000"/>
+              </a:lnSpc>
+              <a:buFont typeface="Arial" panose="020B0604020202020204" pitchFamily="34" charset="0"/>
+              <a:buChar char="•"/>
+            </a:pPr>
+            <a:r>
+              <a:rPr lang="en-US" sz="2400" dirty="0"/>
+              <a:t>Regression → RMSE, MAE, R² </a:t>
+            </a:r>
+            <a:endParaRPr lang="en-US" sz="2400" dirty="0" smtClean="0"/>
+          </a:p>
+          <a:p>
+            <a:pPr marL="742950" lvl="1" indent="-285750">
+              <a:lnSpc>
+                <a:spcPct val="250000"/>
+              </a:lnSpc>
+              <a:buFont typeface="Arial" panose="020B0604020202020204" pitchFamily="34" charset="0"/>
+              <a:buChar char="•"/>
+            </a:pPr>
+            <a:r>
+              <a:rPr lang="en-US" sz="2400" dirty="0" smtClean="0"/>
+              <a:t>Classification </a:t>
+            </a:r>
+            <a:r>
+              <a:rPr lang="en-US" sz="2400" dirty="0"/>
+              <a:t>→ Accuracy, Precision, Recall, F1</a:t>
+            </a:r>
+          </a:p>
+          <a:p>
+            <a:pPr marL="742950" lvl="1" indent="-285750">
+              <a:lnSpc>
+                <a:spcPct val="250000"/>
+              </a:lnSpc>
+              <a:buFont typeface="Arial" panose="020B0604020202020204" pitchFamily="34" charset="0"/>
+              <a:buChar char="•"/>
+            </a:pPr>
+            <a:r>
+              <a:rPr lang="en-US" sz="2400" dirty="0"/>
+              <a:t>Clustering → Silhouette Score</a:t>
+            </a:r>
+          </a:p>
+          <a:p>
+            <a:pPr>
+              <a:lnSpc>
+                <a:spcPct val="250000"/>
+              </a:lnSpc>
+              <a:buFont typeface="Arial" panose="020B0604020202020204" pitchFamily="34" charset="0"/>
+              <a:buChar char="•"/>
+            </a:pPr>
+            <a:r>
+              <a:rPr lang="en-US" sz="2400" dirty="0"/>
+              <a:t>Analyze confusion matrix or residuals.</a:t>
+            </a:r>
+          </a:p>
+        </p:txBody>
+      </p:sp>
+    </p:spTree>
+    <p:extLst>
+      <p:ext uri="{BB962C8B-B14F-4D97-AF65-F5344CB8AC3E}">
+        <p14:creationId xmlns:p14="http://schemas.microsoft.com/office/powerpoint/2010/main" val="1839739500"/>
+      </p:ext>
+    </p:extLst>
+  </p:cSld>
+  <p:clrMapOvr>
+    <a:masterClrMapping/>
+  </p:clrMapOvr>
+</p:sld>
+</file>
+
+<file path=ppt/slides/slide19.xml><?xml version="1.0" encoding="utf-8"?>
+<p:sld xmlns:a="http://schemas.openxmlformats.org/drawingml/2006/main" xmlns:r="http://schemas.openxmlformats.org/officeDocument/2006/relationships" xmlns:p="http://schemas.openxmlformats.org/presentationml/2006/main">
+  <p:cSld>
+    <p:spTree>
+      <p:nvGrpSpPr>
+        <p:cNvPr id="1" name=""/>
+        <p:cNvGrpSpPr/>
+        <p:nvPr/>
+      </p:nvGrpSpPr>
+      <p:grpSpPr>
+        <a:xfrm>
+          <a:off x="0" y="0"/>
+          <a:ext cx="0" cy="0"/>
+          <a:chOff x="0" y="0"/>
+          <a:chExt cx="0" cy="0"/>
+        </a:xfrm>
+      </p:grpSpPr>
+      <p:pic>
+        <p:nvPicPr>
+          <p:cNvPr id="2" name="Picture 1"/>
+          <p:cNvPicPr>
+            <a:picLocks noChangeAspect="1"/>
+          </p:cNvPicPr>
+          <p:nvPr/>
+        </p:nvPicPr>
+        <p:blipFill>
+          <a:blip r:embed="rId2"/>
+          <a:stretch>
+            <a:fillRect/>
+          </a:stretch>
+        </p:blipFill>
+        <p:spPr>
+          <a:xfrm>
+            <a:off x="1123468" y="1061707"/>
+            <a:ext cx="6897063" cy="4734586"/>
+          </a:xfrm>
+          <a:prstGeom prst="rect">
+            <a:avLst/>
+          </a:prstGeom>
+        </p:spPr>
+      </p:pic>
+    </p:spTree>
+    <p:extLst>
+      <p:ext uri="{BB962C8B-B14F-4D97-AF65-F5344CB8AC3E}">
+        <p14:creationId xmlns:p14="http://schemas.microsoft.com/office/powerpoint/2010/main" val="3211443850"/>
+      </p:ext>
+    </p:extLst>
   </p:cSld>
   <p:clrMapOvr>
     <a:masterClrMapping/>
@@ -6205,6 +8433,29 @@
       </p:grpSpPr>
       <p:sp>
         <p:nvSpPr>
+          <p:cNvPr id="2" name="Title 1"/>
+          <p:cNvSpPr>
+            <a:spLocks noGrp="1"/>
+          </p:cNvSpPr>
+          <p:nvPr>
+            <p:ph type="title"/>
+          </p:nvPr>
+        </p:nvSpPr>
+        <p:spPr/>
+        <p:txBody>
+          <a:bodyPr/>
+          <a:lstStyle/>
+          <a:p>
+            <a:r>
+              <a:rPr lang="en-US" dirty="0" smtClean="0"/>
+              <a:t>More Real World Examples</a:t>
+            </a:r>
+            <a:endParaRPr lang="en-US" dirty="0"/>
+          </a:p>
+        </p:txBody>
+      </p:sp>
+      <p:sp>
+        <p:nvSpPr>
           <p:cNvPr id="3" name="Content Placeholder 2"/>
           <p:cNvSpPr>
             <a:spLocks noGrp="1"/>
@@ -6215,45 +8466,65 @@
         </p:nvSpPr>
         <p:spPr>
           <a:xfrm>
-            <a:off x="223024" y="306658"/>
-            <a:ext cx="8809464" cy="6328318"/>
+            <a:off x="802888" y="2490135"/>
+            <a:ext cx="7627434" cy="3444997"/>
           </a:xfrm>
         </p:spPr>
         <p:txBody>
           <a:bodyPr>
-            <a:normAutofit/>
+            <a:normAutofit fontScale="92500" lnSpcReduction="20000"/>
           </a:bodyPr>
           <a:lstStyle/>
           <a:p>
-            <a:pPr marL="0" indent="0" algn="ctr">
+            <a:pPr marL="0" indent="0">
               <a:buNone/>
             </a:pPr>
-            <a:endParaRPr lang="en-US" dirty="0" smtClean="0"/>
-          </a:p>
-          <a:p>
-            <a:pPr marL="0" indent="0" algn="ctr">
-              <a:buNone/>
-            </a:pPr>
-            <a:endParaRPr lang="en-US" dirty="0"/>
-          </a:p>
-          <a:p>
-            <a:pPr marL="0" indent="0" algn="ctr">
-              <a:buNone/>
-            </a:pPr>
+            <a:r>
+              <a:rPr lang="en-US" dirty="0"/>
+              <a:t>Machine learning is so extensive that you probably use it numerous times a day without even knowing it. </a:t>
+            </a:r>
+          </a:p>
+          <a:p>
             <a:r>
               <a:rPr lang="en-US" dirty="0" smtClean="0"/>
-              <a:t>Machine </a:t>
+              <a:t>Smartphones </a:t>
             </a:r>
             <a:r>
               <a:rPr lang="en-US" dirty="0"/>
-              <a:t>learning is so extensive that you probably use it numerous times a day without even knowing it. From unlocking your mobile phones using your face to giving your attendance using a biometric machine, machine learning is being used in almost every stage.</a:t>
-            </a:r>
-            <a:endParaRPr lang="en-US" dirty="0"/>
-          </a:p>
-          <a:p>
-            <a:pPr marL="0" indent="0">
-              <a:buNone/>
-            </a:pPr>
+              <a:t>detecting faces while taking photos or unlocking themselves</a:t>
+            </a:r>
+          </a:p>
+          <a:p>
+            <a:r>
+              <a:rPr lang="en-US" dirty="0" smtClean="0"/>
+              <a:t>Facebook</a:t>
+            </a:r>
+            <a:r>
+              <a:rPr lang="en-US" dirty="0"/>
+              <a:t>, LinkedIn or any other social media site recommending your friends and ads you might be interested in</a:t>
+            </a:r>
+          </a:p>
+          <a:p>
+            <a:r>
+              <a:rPr lang="en-US" dirty="0" smtClean="0"/>
+              <a:t>Amazon </a:t>
+            </a:r>
+            <a:r>
+              <a:rPr lang="en-US" dirty="0"/>
+              <a:t>recommending you the products based on your browsing history</a:t>
+            </a:r>
+          </a:p>
+          <a:p>
+            <a:r>
+              <a:rPr lang="en-US" dirty="0" smtClean="0"/>
+              <a:t>Banks </a:t>
+            </a:r>
+            <a:r>
+              <a:rPr lang="en-US" dirty="0"/>
+              <a:t>using Machine Learning to detect Fraud transactions in real-time</a:t>
+            </a:r>
+          </a:p>
+          <a:p>
             <a:endParaRPr lang="en-US" dirty="0"/>
           </a:p>
         </p:txBody>
@@ -6261,9 +8532,454 @@
     </p:spTree>
     <p:extLst>
       <p:ext uri="{BB962C8B-B14F-4D97-AF65-F5344CB8AC3E}">
-        <p14:creationId xmlns:p14="http://schemas.microsoft.com/office/powerpoint/2010/main" val="3777882306"/>
+        <p14:creationId xmlns:p14="http://schemas.microsoft.com/office/powerpoint/2010/main" val="2097908515"/>
       </p:ext>
     </p:extLst>
+  </p:cSld>
+  <p:clrMapOvr>
+    <a:masterClrMapping/>
+  </p:clrMapOvr>
+</p:sld>
+</file>
+
+<file path=ppt/slides/slide20.xml><?xml version="1.0" encoding="utf-8"?>
+<p:sld xmlns:a="http://schemas.openxmlformats.org/drawingml/2006/main" xmlns:r="http://schemas.openxmlformats.org/officeDocument/2006/relationships" xmlns:p="http://schemas.openxmlformats.org/presentationml/2006/main">
+  <p:cSld>
+    <p:spTree>
+      <p:nvGrpSpPr>
+        <p:cNvPr id="1" name=""/>
+        <p:cNvGrpSpPr/>
+        <p:nvPr/>
+      </p:nvGrpSpPr>
+      <p:grpSpPr>
+        <a:xfrm>
+          <a:off x="0" y="0"/>
+          <a:ext cx="0" cy="0"/>
+          <a:chOff x="0" y="0"/>
+          <a:chExt cx="0" cy="0"/>
+        </a:xfrm>
+      </p:grpSpPr>
+      <p:pic>
+        <p:nvPicPr>
+          <p:cNvPr id="2" name="Picture 1"/>
+          <p:cNvPicPr>
+            <a:picLocks noChangeAspect="1"/>
+          </p:cNvPicPr>
+          <p:nvPr/>
+        </p:nvPicPr>
+        <p:blipFill>
+          <a:blip r:embed="rId2"/>
+          <a:stretch>
+            <a:fillRect/>
+          </a:stretch>
+        </p:blipFill>
+        <p:spPr>
+          <a:xfrm>
+            <a:off x="1352100" y="1176023"/>
+            <a:ext cx="6439799" cy="4505954"/>
+          </a:xfrm>
+          <a:prstGeom prst="rect">
+            <a:avLst/>
+          </a:prstGeom>
+        </p:spPr>
+      </p:pic>
+    </p:spTree>
+    <p:extLst>
+      <p:ext uri="{BB962C8B-B14F-4D97-AF65-F5344CB8AC3E}">
+        <p14:creationId xmlns:p14="http://schemas.microsoft.com/office/powerpoint/2010/main" val="462914173"/>
+      </p:ext>
+    </p:extLst>
+  </p:cSld>
+  <p:clrMapOvr>
+    <a:masterClrMapping/>
+  </p:clrMapOvr>
+</p:sld>
+</file>
+
+<file path=ppt/slides/slide21.xml><?xml version="1.0" encoding="utf-8"?>
+<p:sld xmlns:a="http://schemas.openxmlformats.org/drawingml/2006/main" xmlns:r="http://schemas.openxmlformats.org/officeDocument/2006/relationships" xmlns:p="http://schemas.openxmlformats.org/presentationml/2006/main">
+  <p:cSld>
+    <p:spTree>
+      <p:nvGrpSpPr>
+        <p:cNvPr id="1" name=""/>
+        <p:cNvGrpSpPr/>
+        <p:nvPr/>
+      </p:nvGrpSpPr>
+      <p:grpSpPr>
+        <a:xfrm>
+          <a:off x="0" y="0"/>
+          <a:ext cx="0" cy="0"/>
+          <a:chOff x="0" y="0"/>
+          <a:chExt cx="0" cy="0"/>
+        </a:xfrm>
+      </p:grpSpPr>
+      <p:sp>
+        <p:nvSpPr>
+          <p:cNvPr id="2" name="Title 1"/>
+          <p:cNvSpPr>
+            <a:spLocks noGrp="1"/>
+          </p:cNvSpPr>
+          <p:nvPr>
+            <p:ph type="title"/>
+          </p:nvPr>
+        </p:nvSpPr>
+        <p:spPr/>
+        <p:txBody>
+          <a:bodyPr/>
+          <a:lstStyle/>
+          <a:p>
+            <a:r>
+              <a:t>Python vs C#</a:t>
+            </a:r>
+          </a:p>
+        </p:txBody>
+      </p:sp>
+      <p:sp>
+        <p:nvSpPr>
+          <p:cNvPr id="3" name="Content Placeholder 2"/>
+          <p:cNvSpPr>
+            <a:spLocks noGrp="1"/>
+          </p:cNvSpPr>
+          <p:nvPr>
+            <p:ph idx="1"/>
+          </p:nvPr>
+        </p:nvSpPr>
+        <p:spPr/>
+        <p:txBody>
+          <a:bodyPr>
+            <a:normAutofit fontScale="70000" lnSpcReduction="20000"/>
+          </a:bodyPr>
+          <a:lstStyle/>
+          <a:p>
+            <a:r>
+              <a:t>Python:</a:t>
+            </a:r>
+          </a:p>
+          <a:p>
+            <a:r>
+              <a:t>• Rich ML ecosystem (scikit-learn, PyTorch)</a:t>
+            </a:r>
+          </a:p>
+          <a:p>
+            <a:r>
+              <a:t>• Easy data handling (pandas, matplotlib)</a:t>
+            </a:r>
+          </a:p>
+          <a:p>
+            <a:r>
+              <a:t>• Ideal for EDA and learning</a:t>
+            </a:r>
+          </a:p>
+          <a:p>
+            <a:r>
+              <a:t>• Industry standard for ML</a:t>
+            </a:r>
+          </a:p>
+          <a:p>
+            <a:endParaRPr/>
+          </a:p>
+          <a:p>
+            <a:r>
+              <a:t>C#:</a:t>
+            </a:r>
+          </a:p>
+          <a:p>
+            <a:r>
+              <a:t>• Good for production integration</a:t>
+            </a:r>
+          </a:p>
+          <a:p>
+            <a:r>
+              <a:t>• ML.NET, LightGBM support</a:t>
+            </a:r>
+          </a:p>
+          <a:p>
+            <a:r>
+              <a:t>• Can use ONNX models from Python</a:t>
+            </a:r>
+          </a:p>
+        </p:txBody>
+      </p:sp>
+    </p:spTree>
+  </p:cSld>
+  <p:clrMapOvr>
+    <a:masterClrMapping/>
+  </p:clrMapOvr>
+</p:sld>
+</file>
+
+<file path=ppt/slides/slide22.xml><?xml version="1.0" encoding="utf-8"?>
+<p:sld xmlns:a="http://schemas.openxmlformats.org/drawingml/2006/main" xmlns:r="http://schemas.openxmlformats.org/officeDocument/2006/relationships" xmlns:p="http://schemas.openxmlformats.org/presentationml/2006/main">
+  <p:cSld>
+    <p:spTree>
+      <p:nvGrpSpPr>
+        <p:cNvPr id="1" name=""/>
+        <p:cNvGrpSpPr/>
+        <p:nvPr/>
+      </p:nvGrpSpPr>
+      <p:grpSpPr>
+        <a:xfrm>
+          <a:off x="0" y="0"/>
+          <a:ext cx="0" cy="0"/>
+          <a:chOff x="0" y="0"/>
+          <a:chExt cx="0" cy="0"/>
+        </a:xfrm>
+      </p:grpSpPr>
+      <p:sp>
+        <p:nvSpPr>
+          <p:cNvPr id="2" name="Title 1"/>
+          <p:cNvSpPr>
+            <a:spLocks noGrp="1"/>
+          </p:cNvSpPr>
+          <p:nvPr>
+            <p:ph type="title"/>
+          </p:nvPr>
+        </p:nvSpPr>
+        <p:spPr/>
+        <p:txBody>
+          <a:bodyPr/>
+          <a:lstStyle/>
+          <a:p>
+            <a:r>
+              <a:t>Why Choose Python for ML</a:t>
+            </a:r>
+          </a:p>
+        </p:txBody>
+      </p:sp>
+      <p:sp>
+        <p:nvSpPr>
+          <p:cNvPr id="3" name="Content Placeholder 2"/>
+          <p:cNvSpPr>
+            <a:spLocks noGrp="1"/>
+          </p:cNvSpPr>
+          <p:nvPr>
+            <p:ph idx="1"/>
+          </p:nvPr>
+        </p:nvSpPr>
+        <p:spPr/>
+        <p:txBody>
+          <a:bodyPr/>
+          <a:lstStyle/>
+          <a:p>
+            <a:r>
+              <a:rPr dirty="0" smtClean="0"/>
+              <a:t>Richest </a:t>
+            </a:r>
+            <a:r>
+              <a:rPr dirty="0"/>
+              <a:t>ML ecosystem</a:t>
+            </a:r>
+          </a:p>
+          <a:p>
+            <a:r>
+              <a:rPr dirty="0" smtClean="0"/>
+              <a:t>Fastest </a:t>
+            </a:r>
+            <a:r>
+              <a:rPr dirty="0"/>
+              <a:t>learning curve</a:t>
+            </a:r>
+          </a:p>
+          <a:p>
+            <a:r>
+              <a:rPr dirty="0" smtClean="0"/>
+              <a:t>Industry </a:t>
+            </a:r>
+            <a:r>
+              <a:rPr dirty="0"/>
+              <a:t>standard for ML</a:t>
+            </a:r>
+          </a:p>
+          <a:p>
+            <a:r>
+              <a:rPr dirty="0" smtClean="0"/>
+              <a:t>Superior </a:t>
+            </a:r>
+            <a:r>
+              <a:rPr dirty="0"/>
+              <a:t>visualization tools</a:t>
+            </a:r>
+          </a:p>
+          <a:p>
+            <a:r>
+              <a:rPr dirty="0" smtClean="0"/>
+              <a:t>Easy </a:t>
+            </a:r>
+            <a:r>
+              <a:rPr dirty="0"/>
+              <a:t>integration with .NET via ONNX</a:t>
+            </a:r>
+          </a:p>
+        </p:txBody>
+      </p:sp>
+    </p:spTree>
+  </p:cSld>
+  <p:clrMapOvr>
+    <a:masterClrMapping/>
+  </p:clrMapOvr>
+</p:sld>
+</file>
+
+<file path=ppt/slides/slide23.xml><?xml version="1.0" encoding="utf-8"?>
+<p:sld xmlns:a="http://schemas.openxmlformats.org/drawingml/2006/main" xmlns:r="http://schemas.openxmlformats.org/officeDocument/2006/relationships" xmlns:p="http://schemas.openxmlformats.org/presentationml/2006/main">
+  <p:cSld>
+    <p:spTree>
+      <p:nvGrpSpPr>
+        <p:cNvPr id="1" name=""/>
+        <p:cNvGrpSpPr/>
+        <p:nvPr/>
+      </p:nvGrpSpPr>
+      <p:grpSpPr>
+        <a:xfrm>
+          <a:off x="0" y="0"/>
+          <a:ext cx="0" cy="0"/>
+          <a:chOff x="0" y="0"/>
+          <a:chExt cx="0" cy="0"/>
+        </a:xfrm>
+      </p:grpSpPr>
+      <p:sp>
+        <p:nvSpPr>
+          <p:cNvPr id="2" name="Title 1"/>
+          <p:cNvSpPr>
+            <a:spLocks noGrp="1"/>
+          </p:cNvSpPr>
+          <p:nvPr>
+            <p:ph type="title"/>
+          </p:nvPr>
+        </p:nvSpPr>
+        <p:spPr/>
+        <p:txBody>
+          <a:bodyPr/>
+          <a:lstStyle/>
+          <a:p>
+            <a:r>
+              <a:t>Popular ML Libraries</a:t>
+            </a:r>
+          </a:p>
+        </p:txBody>
+      </p:sp>
+      <p:sp>
+        <p:nvSpPr>
+          <p:cNvPr id="3" name="Content Placeholder 2"/>
+          <p:cNvSpPr>
+            <a:spLocks noGrp="1"/>
+          </p:cNvSpPr>
+          <p:nvPr>
+            <p:ph idx="1"/>
+          </p:nvPr>
+        </p:nvSpPr>
+        <p:spPr/>
+        <p:txBody>
+          <a:bodyPr>
+            <a:normAutofit fontScale="92500" lnSpcReduction="10000"/>
+          </a:bodyPr>
+          <a:lstStyle/>
+          <a:p>
+            <a:r>
+              <a:rPr dirty="0" err="1" smtClean="0"/>
+              <a:t>scikit</a:t>
+            </a:r>
+            <a:r>
+              <a:rPr dirty="0" smtClean="0"/>
+              <a:t>-learn </a:t>
+            </a:r>
+            <a:r>
+              <a:rPr dirty="0"/>
+              <a:t>— Classical ML</a:t>
+            </a:r>
+          </a:p>
+          <a:p>
+            <a:r>
+              <a:rPr dirty="0" err="1" smtClean="0"/>
+              <a:t>TensorFlow</a:t>
+            </a:r>
+            <a:r>
+              <a:rPr dirty="0" smtClean="0"/>
+              <a:t> </a:t>
+            </a:r>
+            <a:r>
+              <a:rPr dirty="0"/>
+              <a:t>/ </a:t>
+            </a:r>
+            <a:r>
+              <a:rPr dirty="0" err="1"/>
+              <a:t>Keras</a:t>
+            </a:r>
+            <a:r>
+              <a:rPr dirty="0"/>
+              <a:t> — Deep learning</a:t>
+            </a:r>
+          </a:p>
+          <a:p>
+            <a:r>
+              <a:rPr dirty="0" err="1" smtClean="0"/>
+              <a:t>PyTorch</a:t>
+            </a:r>
+            <a:r>
+              <a:rPr dirty="0" smtClean="0"/>
+              <a:t> </a:t>
+            </a:r>
+            <a:r>
+              <a:rPr dirty="0"/>
+              <a:t>— Dynamic deep learning</a:t>
+            </a:r>
+          </a:p>
+          <a:p>
+            <a:r>
+              <a:rPr dirty="0" err="1" smtClean="0"/>
+              <a:t>LightGBM</a:t>
+            </a:r>
+            <a:r>
+              <a:rPr dirty="0" smtClean="0"/>
+              <a:t> </a:t>
+            </a:r>
+            <a:r>
+              <a:rPr dirty="0"/>
+              <a:t>/ </a:t>
+            </a:r>
+            <a:r>
+              <a:rPr dirty="0" err="1"/>
+              <a:t>XGBoost</a:t>
+            </a:r>
+            <a:r>
+              <a:rPr dirty="0"/>
+              <a:t> / </a:t>
+            </a:r>
+            <a:r>
+              <a:rPr dirty="0" err="1"/>
+              <a:t>CatBoost</a:t>
+            </a:r>
+            <a:r>
+              <a:rPr dirty="0"/>
+              <a:t> — Gradient boosting</a:t>
+            </a:r>
+          </a:p>
+          <a:p>
+            <a:r>
+              <a:rPr dirty="0" err="1" smtClean="0"/>
+              <a:t>spaCy</a:t>
+            </a:r>
+            <a:r>
+              <a:rPr dirty="0" smtClean="0"/>
+              <a:t> </a:t>
+            </a:r>
+            <a:r>
+              <a:rPr dirty="0"/>
+              <a:t>/ Transformers — NLP</a:t>
+            </a:r>
+          </a:p>
+          <a:p>
+            <a:endParaRPr dirty="0"/>
+          </a:p>
+          <a:p>
+            <a:r>
+              <a:rPr dirty="0"/>
+              <a:t>These libraries cover most ML workflows from data prep to modeling.</a:t>
+            </a:r>
+          </a:p>
+        </p:txBody>
+      </p:sp>
+    </p:spTree>
   </p:cSld>
   <p:clrMapOvr>
     <a:masterClrMapping/>
@@ -6304,10 +9020,8 @@
           <a:lstStyle/>
           <a:p>
             <a:r>
-              <a:rPr lang="en-US" dirty="0" smtClean="0"/>
-              <a:t>More Real World Examples</a:t>
-            </a:r>
-            <a:endParaRPr lang="en-US" dirty="0"/>
+              <a:t>Main Types of ML</a:t>
+            </a:r>
           </a:p>
         </p:txBody>
       </p:sp>
@@ -6324,60 +9038,69 @@
         <p:spPr/>
         <p:txBody>
           <a:bodyPr>
-            <a:normAutofit fontScale="92500" lnSpcReduction="10000"/>
+            <a:normAutofit fontScale="85000" lnSpcReduction="20000"/>
           </a:bodyPr>
           <a:lstStyle/>
           <a:p>
-            <a:r>
-              <a:rPr lang="en-US" dirty="0" smtClean="0"/>
-              <a:t>Smartphones </a:t>
-            </a:r>
-            <a:r>
-              <a:rPr lang="en-US" dirty="0"/>
-              <a:t>detecting faces while taking photos or unlocking themselves</a:t>
-            </a:r>
-          </a:p>
-          <a:p>
-            <a:r>
-              <a:rPr lang="en-US" dirty="0" smtClean="0"/>
-              <a:t>Facebook</a:t>
-            </a:r>
-            <a:r>
-              <a:rPr lang="en-US" dirty="0"/>
-              <a:t>, LinkedIn or any other social media site recommending your friends and ads you might be interested in</a:t>
-            </a:r>
-          </a:p>
-          <a:p>
-            <a:r>
-              <a:rPr lang="en-US" dirty="0" smtClean="0"/>
-              <a:t>Amazon </a:t>
-            </a:r>
-            <a:r>
-              <a:rPr lang="en-US" dirty="0"/>
-              <a:t>recommending you the products based on your browsing history</a:t>
-            </a:r>
-          </a:p>
-          <a:p>
-            <a:r>
-              <a:rPr lang="en-US" dirty="0" smtClean="0"/>
-              <a:t>Banks </a:t>
-            </a:r>
-            <a:r>
-              <a:rPr lang="en-US" dirty="0"/>
-              <a:t>using Machine Learning to detect Fraud transactions in real-time</a:t>
-            </a:r>
-          </a:p>
-          <a:p>
-            <a:endParaRPr lang="en-US" dirty="0"/>
+            <a:pPr marL="0" indent="0">
+              <a:buNone/>
+            </a:pPr>
+            <a:r>
+              <a:rPr dirty="0"/>
+              <a:t>1. Supervised Learning: Input + known output → predict output</a:t>
+            </a:r>
+          </a:p>
+          <a:p>
+            <a:r>
+              <a:rPr dirty="0"/>
+              <a:t>   - Regression (numbers)</a:t>
+            </a:r>
+          </a:p>
+          <a:p>
+            <a:r>
+              <a:rPr dirty="0"/>
+              <a:t>   - Classification (categories)</a:t>
+            </a:r>
+          </a:p>
+          <a:p>
+            <a:endParaRPr dirty="0"/>
+          </a:p>
+          <a:p>
+            <a:pPr marL="0" indent="0">
+              <a:buNone/>
+            </a:pPr>
+            <a:r>
+              <a:rPr dirty="0"/>
+              <a:t>2. Unsupervised Learning: No labels, find structure</a:t>
+            </a:r>
+          </a:p>
+          <a:p>
+            <a:r>
+              <a:rPr dirty="0"/>
+              <a:t>   - Clustering</a:t>
+            </a:r>
+          </a:p>
+          <a:p>
+            <a:r>
+              <a:rPr dirty="0"/>
+              <a:t>   - Dimensionality Reduction</a:t>
+            </a:r>
+          </a:p>
+          <a:p>
+            <a:endParaRPr dirty="0"/>
+          </a:p>
+          <a:p>
+            <a:pPr marL="0" indent="0">
+              <a:buNone/>
+            </a:pPr>
+            <a:r>
+              <a:rPr dirty="0"/>
+              <a:t>3. Reinforcement Learning: Learn by reward/punishment</a:t>
+            </a:r>
           </a:p>
         </p:txBody>
       </p:sp>
     </p:spTree>
-    <p:extLst>
-      <p:ext uri="{BB962C8B-B14F-4D97-AF65-F5344CB8AC3E}">
-        <p14:creationId xmlns:p14="http://schemas.microsoft.com/office/powerpoint/2010/main" val="2097908515"/>
-      </p:ext>
-    </p:extLst>
   </p:cSld>
   <p:clrMapOvr>
     <a:masterClrMapping/>
@@ -6418,7 +9141,7 @@
           <a:lstStyle/>
           <a:p>
             <a:r>
-              <a:t>Main Types of ML</a:t>
+              <a:t>Regression Types</a:t>
             </a:r>
           </a:p>
         </p:txBody>
@@ -6436,64 +9159,55 @@
         <p:spPr/>
         <p:txBody>
           <a:bodyPr>
-            <a:normAutofit fontScale="85000" lnSpcReduction="20000"/>
+            <a:normAutofit fontScale="92500" lnSpcReduction="20000"/>
           </a:bodyPr>
           <a:lstStyle/>
           <a:p>
-            <a:pPr marL="0" indent="0">
-              <a:buNone/>
-            </a:pPr>
             <a:r>
               <a:rPr dirty="0"/>
-              <a:t>1. Supervised Learning: Input + known output → predict output</a:t>
+              <a:t>1. Linear Regression — Straight line fit</a:t>
             </a:r>
           </a:p>
           <a:p>
             <a:r>
               <a:rPr dirty="0"/>
-              <a:t>   - Regression (numbers)</a:t>
+              <a:t>2. Multiple Linear Regression — Multiple inputs</a:t>
             </a:r>
           </a:p>
           <a:p>
             <a:r>
               <a:rPr dirty="0"/>
-              <a:t>   - Classification (categories)</a:t>
-            </a:r>
-          </a:p>
-          <a:p>
-            <a:endParaRPr dirty="0"/>
-          </a:p>
-          <a:p>
-            <a:pPr marL="0" indent="0">
-              <a:buNone/>
-            </a:pPr>
+              <a:t>3. Polynomial Regression — Curved fit</a:t>
+            </a:r>
+          </a:p>
+          <a:p>
             <a:r>
               <a:rPr dirty="0"/>
-              <a:t>2. Unsupervised Learning: No labels, find structure</a:t>
+              <a:t>4. Ridge Regression — L2 regularization</a:t>
             </a:r>
           </a:p>
           <a:p>
             <a:r>
               <a:rPr dirty="0"/>
-              <a:t>   - Clustering</a:t>
+              <a:t>5. Lasso Regression — L1 regularization</a:t>
             </a:r>
           </a:p>
           <a:p>
             <a:r>
               <a:rPr dirty="0"/>
-              <a:t>   - Dimensionality Reduction</a:t>
-            </a:r>
-          </a:p>
-          <a:p>
-            <a:endParaRPr dirty="0"/>
-          </a:p>
-          <a:p>
-            <a:pPr marL="0" indent="0">
-              <a:buNone/>
-            </a:pPr>
+              <a:t>6. Elastic Net — Combines Ridge &amp; Lasso</a:t>
+            </a:r>
+          </a:p>
+          <a:p>
             <a:r>
               <a:rPr dirty="0"/>
-              <a:t>3. Reinforcement Learning: Learn by reward/punishment</a:t>
+              <a:t>7. Logistic Regression — For classification</a:t>
+            </a:r>
+          </a:p>
+          <a:p>
+            <a:r>
+              <a:rPr dirty="0"/>
+              <a:t>8. Stepwise, Quantile, SVR, Decision Trees</a:t>
             </a:r>
           </a:p>
         </p:txBody>
@@ -6525,84 +9239,242 @@
       </p:grpSpPr>
       <p:sp>
         <p:nvSpPr>
-          <p:cNvPr id="2" name="Title 1"/>
-          <p:cNvSpPr>
-            <a:spLocks noGrp="1"/>
-          </p:cNvSpPr>
-          <p:nvPr>
-            <p:ph type="title"/>
-          </p:nvPr>
-        </p:nvSpPr>
-        <p:spPr/>
-        <p:txBody>
-          <a:bodyPr/>
-          <a:lstStyle/>
-          <a:p>
-            <a:r>
-              <a:t>Regression Types</a:t>
-            </a:r>
-          </a:p>
-        </p:txBody>
-      </p:sp>
-      <p:sp>
-        <p:nvSpPr>
-          <p:cNvPr id="3" name="Content Placeholder 2"/>
-          <p:cNvSpPr>
-            <a:spLocks noGrp="1"/>
-          </p:cNvSpPr>
-          <p:nvPr>
-            <p:ph idx="1"/>
-          </p:nvPr>
-        </p:nvSpPr>
-        <p:spPr/>
-        <p:txBody>
-          <a:bodyPr>
-            <a:normAutofit fontScale="92500" lnSpcReduction="20000"/>
+          <p:cNvPr id="4" name="Rectangle 3"/>
+          <p:cNvSpPr/>
+          <p:nvPr/>
+        </p:nvSpPr>
+        <p:spPr>
+          <a:xfrm>
+            <a:off x="791737" y="889844"/>
+            <a:ext cx="7393258" cy="4939814"/>
+          </a:xfrm>
+          <a:prstGeom prst="rect">
+            <a:avLst/>
+          </a:prstGeom>
+        </p:spPr>
+        <p:txBody>
+          <a:bodyPr wrap="square">
+            <a:spAutoFit/>
           </a:bodyPr>
           <a:lstStyle/>
           <a:p>
-            <a:r>
-              <a:t>1. Linear Regression — Straight line fit</a:t>
-            </a:r>
-          </a:p>
-          <a:p>
-            <a:r>
-              <a:t>2. Multiple Linear Regression — Multiple inputs</a:t>
-            </a:r>
-          </a:p>
-          <a:p>
-            <a:r>
-              <a:t>3. Polynomial Regression — Curved fit</a:t>
-            </a:r>
-          </a:p>
-          <a:p>
-            <a:r>
-              <a:t>4. Ridge Regression — L2 regularization</a:t>
-            </a:r>
-          </a:p>
-          <a:p>
-            <a:r>
-              <a:t>5. Lasso Regression — L1 regularization</a:t>
-            </a:r>
-          </a:p>
-          <a:p>
-            <a:r>
-              <a:t>6. Elastic Net — Combines Ridge &amp; Lasso</a:t>
-            </a:r>
-          </a:p>
-          <a:p>
-            <a:r>
-              <a:t>7. Logistic Regression — For classification</a:t>
-            </a:r>
-          </a:p>
-          <a:p>
-            <a:r>
-              <a:t>8. Stepwise, Quantile, SVR, Decision Trees</a:t>
+            <a:pPr algn="just"/>
+            <a:r>
+              <a:rPr lang="en-US" b="1" dirty="0"/>
+              <a:t>Regression</a:t>
+            </a:r>
+            <a:r>
+              <a:rPr lang="en-US" dirty="0"/>
+              <a:t> is a type of </a:t>
+            </a:r>
+            <a:r>
+              <a:rPr lang="en-US" b="1" dirty="0"/>
+              <a:t>supervised machine learning</a:t>
+            </a:r>
+            <a:r>
+              <a:rPr lang="en-US" dirty="0"/>
+              <a:t> used to predict a </a:t>
+            </a:r>
+            <a:r>
+              <a:rPr lang="en-US" b="1" dirty="0"/>
+              <a:t>continuous numeric value</a:t>
+            </a:r>
+            <a:r>
+              <a:rPr lang="en-US" dirty="0"/>
+              <a:t> based on input variables (features).</a:t>
+            </a:r>
+            <a:br>
+              <a:rPr lang="en-US" dirty="0"/>
+            </a:br>
+            <a:r>
+              <a:rPr lang="en-US" dirty="0"/>
+              <a:t>It finds patterns or relationships between </a:t>
+            </a:r>
+            <a:r>
+              <a:rPr lang="en-US" b="1" dirty="0"/>
+              <a:t>independent variables (X)</a:t>
+            </a:r>
+            <a:r>
+              <a:rPr lang="en-US" dirty="0"/>
+              <a:t> and a </a:t>
+            </a:r>
+            <a:r>
+              <a:rPr lang="en-US" b="1" dirty="0"/>
+              <a:t>dependent variable (Y</a:t>
+            </a:r>
+            <a:r>
+              <a:rPr lang="en-US" b="1" dirty="0" smtClean="0"/>
+              <a:t>)</a:t>
+            </a:r>
+            <a:r>
+              <a:rPr lang="en-US" dirty="0" smtClean="0"/>
+              <a:t>.</a:t>
+            </a:r>
+          </a:p>
+          <a:p>
+            <a:endParaRPr lang="en-US" dirty="0"/>
+          </a:p>
+          <a:p>
+            <a:endParaRPr lang="en-US" dirty="0"/>
+          </a:p>
+          <a:p>
+            <a:r>
+              <a:rPr lang="en-US" b="1" dirty="0"/>
+              <a:t>Examples:</a:t>
+            </a:r>
+            <a:endParaRPr lang="en-US" dirty="0"/>
+          </a:p>
+          <a:p>
+            <a:pPr marL="285750" indent="-285750">
+              <a:lnSpc>
+                <a:spcPct val="150000"/>
+              </a:lnSpc>
+              <a:buFont typeface="Arial" panose="020B0604020202020204" pitchFamily="34" charset="0"/>
+              <a:buChar char="•"/>
+            </a:pPr>
+            <a:r>
+              <a:rPr lang="en-US" dirty="0"/>
+              <a:t>Predicting </a:t>
+            </a:r>
+            <a:r>
+              <a:rPr lang="en-US" b="1" dirty="0"/>
+              <a:t>house prices</a:t>
+            </a:r>
+            <a:r>
+              <a:rPr lang="en-US" dirty="0"/>
+              <a:t> from area, rooms, and location.</a:t>
+            </a:r>
+          </a:p>
+          <a:p>
+            <a:pPr marL="285750" indent="-285750">
+              <a:lnSpc>
+                <a:spcPct val="150000"/>
+              </a:lnSpc>
+              <a:buFont typeface="Arial" panose="020B0604020202020204" pitchFamily="34" charset="0"/>
+              <a:buChar char="•"/>
+            </a:pPr>
+            <a:r>
+              <a:rPr lang="en-US" dirty="0"/>
+              <a:t>Estimating </a:t>
+            </a:r>
+            <a:r>
+              <a:rPr lang="en-US" b="1" dirty="0"/>
+              <a:t>sales</a:t>
+            </a:r>
+            <a:r>
+              <a:rPr lang="en-US" dirty="0"/>
+              <a:t> from advertising spend and season.</a:t>
+            </a:r>
+          </a:p>
+          <a:p>
+            <a:pPr marL="285750" indent="-285750">
+              <a:lnSpc>
+                <a:spcPct val="150000"/>
+              </a:lnSpc>
+              <a:buFont typeface="Arial" panose="020B0604020202020204" pitchFamily="34" charset="0"/>
+              <a:buChar char="•"/>
+            </a:pPr>
+            <a:r>
+              <a:rPr lang="en-US" dirty="0"/>
+              <a:t>Forecasting </a:t>
+            </a:r>
+            <a:r>
+              <a:rPr lang="en-US" b="1" dirty="0"/>
+              <a:t>temperature</a:t>
+            </a:r>
+            <a:r>
+              <a:rPr lang="en-US" dirty="0"/>
+              <a:t>, </a:t>
+            </a:r>
+            <a:r>
+              <a:rPr lang="en-US" b="1" dirty="0"/>
+              <a:t>salary</a:t>
+            </a:r>
+            <a:r>
+              <a:rPr lang="en-US" dirty="0"/>
+              <a:t>, or </a:t>
+            </a:r>
+            <a:r>
+              <a:rPr lang="en-US" b="1" dirty="0"/>
+              <a:t>stock prices</a:t>
+            </a:r>
+            <a:r>
+              <a:rPr lang="en-US" dirty="0"/>
+              <a:t>.</a:t>
+            </a:r>
+          </a:p>
+          <a:p>
+            <a:pPr marL="285750" indent="-285750">
+              <a:lnSpc>
+                <a:spcPct val="150000"/>
+              </a:lnSpc>
+              <a:buFont typeface="Arial" panose="020B0604020202020204" pitchFamily="34" charset="0"/>
+              <a:buChar char="•"/>
+            </a:pPr>
+            <a:r>
+              <a:rPr lang="en-US" dirty="0"/>
+              <a:t>Regression is used for:</a:t>
+            </a:r>
+          </a:p>
+          <a:p>
+            <a:pPr marL="285750" indent="-285750">
+              <a:lnSpc>
+                <a:spcPct val="150000"/>
+              </a:lnSpc>
+              <a:buFont typeface="Arial" panose="020B0604020202020204" pitchFamily="34" charset="0"/>
+              <a:buChar char="•"/>
+            </a:pPr>
+            <a:r>
+              <a:rPr lang="en-US" b="1" dirty="0"/>
+              <a:t>Forecasting</a:t>
+            </a:r>
+            <a:r>
+              <a:rPr lang="en-US" dirty="0"/>
+              <a:t> (sales, demand, stock price, etc.)</a:t>
+            </a:r>
+          </a:p>
+          <a:p>
+            <a:pPr marL="285750" indent="-285750">
+              <a:lnSpc>
+                <a:spcPct val="150000"/>
+              </a:lnSpc>
+              <a:buFont typeface="Arial" panose="020B0604020202020204" pitchFamily="34" charset="0"/>
+              <a:buChar char="•"/>
+            </a:pPr>
+            <a:r>
+              <a:rPr lang="en-US" b="1" dirty="0"/>
+              <a:t>Optimization</a:t>
+            </a:r>
+            <a:r>
+              <a:rPr lang="en-US" dirty="0"/>
+              <a:t> (marketing spend vs ROI)</a:t>
+            </a:r>
+          </a:p>
+          <a:p>
+            <a:pPr marL="285750" indent="-285750">
+              <a:lnSpc>
+                <a:spcPct val="150000"/>
+              </a:lnSpc>
+              <a:buFont typeface="Arial" panose="020B0604020202020204" pitchFamily="34" charset="0"/>
+              <a:buChar char="•"/>
+            </a:pPr>
+            <a:r>
+              <a:rPr lang="en-US" b="1" dirty="0"/>
+              <a:t>Trend analysis</a:t>
+            </a:r>
+            <a:r>
+              <a:rPr lang="en-US" dirty="0"/>
+              <a:t> (how one factor affects another)</a:t>
             </a:r>
           </a:p>
         </p:txBody>
       </p:sp>
     </p:spTree>
+    <p:extLst>
+      <p:ext uri="{BB962C8B-B14F-4D97-AF65-F5344CB8AC3E}">
+        <p14:creationId xmlns:p14="http://schemas.microsoft.com/office/powerpoint/2010/main" val="3514132323"/>
+      </p:ext>
+    </p:extLst>
   </p:cSld>
   <p:clrMapOvr>
     <a:masterClrMapping/>
@@ -6627,84 +9499,692 @@
           <a:chExt cx="0" cy="0"/>
         </a:xfrm>
       </p:grpSpPr>
-      <p:sp>
-        <p:nvSpPr>
-          <p:cNvPr id="2" name="Title 1"/>
-          <p:cNvSpPr>
-            <a:spLocks noGrp="1"/>
-          </p:cNvSpPr>
-          <p:nvPr>
-            <p:ph type="title"/>
-          </p:nvPr>
-        </p:nvSpPr>
-        <p:spPr/>
-        <p:txBody>
-          <a:bodyPr/>
-          <a:lstStyle/>
-          <a:p>
-            <a:r>
-              <a:t>Classification</a:t>
-            </a:r>
-          </a:p>
-        </p:txBody>
-      </p:sp>
-      <p:sp>
-        <p:nvSpPr>
-          <p:cNvPr id="3" name="Content Placeholder 2"/>
-          <p:cNvSpPr>
-            <a:spLocks noGrp="1"/>
-          </p:cNvSpPr>
-          <p:nvPr>
-            <p:ph idx="1"/>
-          </p:nvPr>
-        </p:nvSpPr>
-        <p:spPr/>
-        <p:txBody>
-          <a:bodyPr>
-            <a:normAutofit fontScale="92500" lnSpcReduction="20000"/>
-          </a:bodyPr>
-          <a:lstStyle/>
-          <a:p>
-            <a:r>
-              <a:t>Classification predicts categories from input features.</a:t>
-            </a:r>
-          </a:p>
-          <a:p>
-            <a:endParaRPr/>
-          </a:p>
-          <a:p>
-            <a:r>
-              <a:t>Types:</a:t>
-            </a:r>
-          </a:p>
-          <a:p>
-            <a:r>
-              <a:t>• Binary: Spam/Not Spam</a:t>
-            </a:r>
-          </a:p>
-          <a:p>
-            <a:r>
-              <a:t>• Multiclass: Cat/Dog/Bird</a:t>
-            </a:r>
-          </a:p>
-          <a:p>
-            <a:r>
-              <a:t>• Multilabel: Sports &amp; Politics</a:t>
-            </a:r>
-          </a:p>
-          <a:p>
-            <a:r>
-              <a:t>• Ordinal: Poor–Average–Good–Excellent</a:t>
-            </a:r>
-          </a:p>
-          <a:p>
-            <a:r>
-              <a:t>• Imbalanced: Fraud detection</a:t>
-            </a:r>
-          </a:p>
-        </p:txBody>
-      </p:sp>
+      <p:graphicFrame>
+        <p:nvGraphicFramePr>
+          <p:cNvPr id="16" name="Table 15"/>
+          <p:cNvGraphicFramePr>
+            <a:graphicFrameLocks noGrp="1"/>
+          </p:cNvGraphicFramePr>
+          <p:nvPr>
+            <p:extLst>
+              <p:ext uri="{D42A27DB-BD31-4B8C-83A1-F6EECF244321}">
+                <p14:modId xmlns:p14="http://schemas.microsoft.com/office/powerpoint/2010/main" val="191963180"/>
+              </p:ext>
+            </p:extLst>
+          </p:nvPr>
+        </p:nvGraphicFramePr>
+        <p:xfrm>
+          <a:off x="754380" y="834384"/>
+          <a:ext cx="7520940" cy="5017776"/>
+        </p:xfrm>
+        <a:graphic>
+          <a:graphicData uri="http://schemas.openxmlformats.org/drawingml/2006/table">
+            <a:tbl>
+              <a:tblPr>
+                <a:tableStyleId>{5C22544A-7EE6-4342-B048-85BDC9FD1C3A}</a:tableStyleId>
+              </a:tblPr>
+              <a:tblGrid>
+                <a:gridCol w="3435914">
+                  <a:extLst>
+                    <a:ext uri="{9D8B030D-6E8A-4147-A177-3AD203B41FA5}">
+                      <a16:colId xmlns:a16="http://schemas.microsoft.com/office/drawing/2014/main" val="2683310425"/>
+                    </a:ext>
+                  </a:extLst>
+                </a:gridCol>
+                <a:gridCol w="4085026">
+                  <a:extLst>
+                    <a:ext uri="{9D8B030D-6E8A-4147-A177-3AD203B41FA5}">
+                      <a16:colId xmlns:a16="http://schemas.microsoft.com/office/drawing/2014/main" val="1830470992"/>
+                    </a:ext>
+                  </a:extLst>
+                </a:gridCol>
+              </a:tblGrid>
+              <a:tr h="418148">
+                <a:tc>
+                  <a:txBody>
+                    <a:bodyPr/>
+                    <a:lstStyle/>
+                    <a:p>
+                      <a:pPr algn="l" fontAlgn="b"/>
+                      <a:r>
+                        <a:rPr lang="en-US" sz="1600" b="1" u="none" strike="noStrike" dirty="0" smtClean="0">
+                          <a:effectLst/>
+                        </a:rPr>
+                        <a:t>Type of Regression</a:t>
+                      </a:r>
+                      <a:endParaRPr lang="en-US" sz="1600" b="1" i="0" u="none" strike="noStrike" dirty="0">
+                        <a:solidFill>
+                          <a:srgbClr val="000000"/>
+                        </a:solidFill>
+                        <a:effectLst/>
+                        <a:latin typeface="Calibri" panose="020F0502020204030204" pitchFamily="34" charset="0"/>
+                      </a:endParaRPr>
+                    </a:p>
+                  </a:txBody>
+                  <a:tcPr marL="9525" marR="9525" marT="9525" marB="0" anchor="b"/>
+                </a:tc>
+                <a:tc>
+                  <a:txBody>
+                    <a:bodyPr/>
+                    <a:lstStyle/>
+                    <a:p>
+                      <a:pPr algn="l" fontAlgn="b"/>
+                      <a:r>
+                        <a:rPr lang="en-US" sz="1600" b="1" u="none" strike="noStrike" dirty="0">
+                          <a:effectLst/>
+                        </a:rPr>
+                        <a:t>Example</a:t>
+                      </a:r>
+                      <a:endParaRPr lang="en-US" sz="1600" b="1" i="0" u="none" strike="noStrike" dirty="0">
+                        <a:solidFill>
+                          <a:srgbClr val="000000"/>
+                        </a:solidFill>
+                        <a:effectLst/>
+                        <a:latin typeface="Calibri" panose="020F0502020204030204" pitchFamily="34" charset="0"/>
+                      </a:endParaRPr>
+                    </a:p>
+                  </a:txBody>
+                  <a:tcPr marL="9525" marR="9525" marT="9525" marB="0" anchor="b"/>
+                </a:tc>
+                <a:extLst>
+                  <a:ext uri="{0D108BD9-81ED-4DB2-BD59-A6C34878D82A}">
+                    <a16:rowId xmlns:a16="http://schemas.microsoft.com/office/drawing/2014/main" val="3748257666"/>
+                  </a:ext>
+                </a:extLst>
+              </a:tr>
+              <a:tr h="418148">
+                <a:tc>
+                  <a:txBody>
+                    <a:bodyPr/>
+                    <a:lstStyle/>
+                    <a:p>
+                      <a:pPr algn="l" fontAlgn="b"/>
+                      <a:r>
+                        <a:rPr lang="en-US" sz="1600" u="none" strike="noStrike" dirty="0">
+                          <a:effectLst/>
+                        </a:rPr>
+                        <a:t>1. Linear Regression</a:t>
+                      </a:r>
+                      <a:endParaRPr lang="en-US" sz="1600" b="0" i="0" u="none" strike="noStrike" dirty="0">
+                        <a:solidFill>
+                          <a:srgbClr val="000000"/>
+                        </a:solidFill>
+                        <a:effectLst/>
+                        <a:latin typeface="Calibri" panose="020F0502020204030204" pitchFamily="34" charset="0"/>
+                      </a:endParaRPr>
+                    </a:p>
+                  </a:txBody>
+                  <a:tcPr marL="9525" marR="9525" marT="9525" marB="0" anchor="b"/>
+                </a:tc>
+                <a:tc>
+                  <a:txBody>
+                    <a:bodyPr/>
+                    <a:lstStyle/>
+                    <a:p>
+                      <a:pPr algn="l" fontAlgn="b"/>
+                      <a:r>
+                        <a:rPr lang="en-US" sz="1600" u="none" strike="noStrike">
+                          <a:effectLst/>
+                        </a:rPr>
+                        <a:t>Predicting house price by area.</a:t>
+                      </a:r>
+                      <a:endParaRPr lang="en-US" sz="1600" b="0" i="0" u="none" strike="noStrike">
+                        <a:solidFill>
+                          <a:srgbClr val="000000"/>
+                        </a:solidFill>
+                        <a:effectLst/>
+                        <a:latin typeface="Calibri" panose="020F0502020204030204" pitchFamily="34" charset="0"/>
+                      </a:endParaRPr>
+                    </a:p>
+                  </a:txBody>
+                  <a:tcPr marL="9525" marR="9525" marT="9525" marB="0" anchor="b"/>
+                </a:tc>
+                <a:extLst>
+                  <a:ext uri="{0D108BD9-81ED-4DB2-BD59-A6C34878D82A}">
+                    <a16:rowId xmlns:a16="http://schemas.microsoft.com/office/drawing/2014/main" val="753537039"/>
+                  </a:ext>
+                </a:extLst>
+              </a:tr>
+              <a:tr h="418148">
+                <a:tc>
+                  <a:txBody>
+                    <a:bodyPr/>
+                    <a:lstStyle/>
+                    <a:p>
+                      <a:pPr algn="l" fontAlgn="b"/>
+                      <a:r>
+                        <a:rPr lang="en-US" sz="1600" u="none" strike="noStrike" dirty="0">
+                          <a:effectLst/>
+                        </a:rPr>
+                        <a:t>2. Multiple Linear Regression</a:t>
+                      </a:r>
+                      <a:endParaRPr lang="en-US" sz="1600" b="0" i="0" u="none" strike="noStrike" dirty="0">
+                        <a:solidFill>
+                          <a:srgbClr val="000000"/>
+                        </a:solidFill>
+                        <a:effectLst/>
+                        <a:latin typeface="Calibri" panose="020F0502020204030204" pitchFamily="34" charset="0"/>
+                      </a:endParaRPr>
+                    </a:p>
+                  </a:txBody>
+                  <a:tcPr marL="9525" marR="9525" marT="9525" marB="0" anchor="b"/>
+                </a:tc>
+                <a:tc>
+                  <a:txBody>
+                    <a:bodyPr/>
+                    <a:lstStyle/>
+                    <a:p>
+                      <a:pPr algn="l" fontAlgn="b"/>
+                      <a:r>
+                        <a:rPr lang="en-US" sz="1600" u="none" strike="noStrike" dirty="0">
+                          <a:effectLst/>
+                        </a:rPr>
+                        <a:t>Predicting car price by age, mileage, brand.</a:t>
+                      </a:r>
+                      <a:endParaRPr lang="en-US" sz="1600" b="0" i="0" u="none" strike="noStrike" dirty="0">
+                        <a:solidFill>
+                          <a:srgbClr val="000000"/>
+                        </a:solidFill>
+                        <a:effectLst/>
+                        <a:latin typeface="Calibri" panose="020F0502020204030204" pitchFamily="34" charset="0"/>
+                      </a:endParaRPr>
+                    </a:p>
+                  </a:txBody>
+                  <a:tcPr marL="9525" marR="9525" marT="9525" marB="0" anchor="b"/>
+                </a:tc>
+                <a:extLst>
+                  <a:ext uri="{0D108BD9-81ED-4DB2-BD59-A6C34878D82A}">
+                    <a16:rowId xmlns:a16="http://schemas.microsoft.com/office/drawing/2014/main" val="1256956060"/>
+                  </a:ext>
+                </a:extLst>
+              </a:tr>
+              <a:tr h="418148">
+                <a:tc>
+                  <a:txBody>
+                    <a:bodyPr/>
+                    <a:lstStyle/>
+                    <a:p>
+                      <a:pPr algn="l" fontAlgn="b"/>
+                      <a:r>
+                        <a:rPr lang="en-US" sz="1600" u="none" strike="noStrike" dirty="0">
+                          <a:effectLst/>
+                        </a:rPr>
+                        <a:t>3. Polynomial Regression</a:t>
+                      </a:r>
+                      <a:endParaRPr lang="en-US" sz="1600" b="0" i="0" u="none" strike="noStrike" dirty="0">
+                        <a:solidFill>
+                          <a:srgbClr val="000000"/>
+                        </a:solidFill>
+                        <a:effectLst/>
+                        <a:latin typeface="Calibri" panose="020F0502020204030204" pitchFamily="34" charset="0"/>
+                      </a:endParaRPr>
+                    </a:p>
+                  </a:txBody>
+                  <a:tcPr marL="9525" marR="9525" marT="9525" marB="0" anchor="b"/>
+                </a:tc>
+                <a:tc>
+                  <a:txBody>
+                    <a:bodyPr/>
+                    <a:lstStyle/>
+                    <a:p>
+                      <a:pPr algn="l" fontAlgn="b"/>
+                      <a:r>
+                        <a:rPr lang="en-US" sz="1600" u="none" strike="noStrike">
+                          <a:effectLst/>
+                        </a:rPr>
+                        <a:t>Modeling population growth.</a:t>
+                      </a:r>
+                      <a:endParaRPr lang="en-US" sz="1600" b="0" i="0" u="none" strike="noStrike">
+                        <a:solidFill>
+                          <a:srgbClr val="000000"/>
+                        </a:solidFill>
+                        <a:effectLst/>
+                        <a:latin typeface="Calibri" panose="020F0502020204030204" pitchFamily="34" charset="0"/>
+                      </a:endParaRPr>
+                    </a:p>
+                  </a:txBody>
+                  <a:tcPr marL="9525" marR="9525" marT="9525" marB="0" anchor="b"/>
+                </a:tc>
+                <a:extLst>
+                  <a:ext uri="{0D108BD9-81ED-4DB2-BD59-A6C34878D82A}">
+                    <a16:rowId xmlns:a16="http://schemas.microsoft.com/office/drawing/2014/main" val="3717245723"/>
+                  </a:ext>
+                </a:extLst>
+              </a:tr>
+              <a:tr h="418148">
+                <a:tc>
+                  <a:txBody>
+                    <a:bodyPr/>
+                    <a:lstStyle/>
+                    <a:p>
+                      <a:pPr algn="l" fontAlgn="b"/>
+                      <a:r>
+                        <a:rPr lang="en-US" sz="1600" u="none" strike="noStrike" dirty="0">
+                          <a:effectLst/>
+                        </a:rPr>
+                        <a:t>4. Ridge Regression (L2)</a:t>
+                      </a:r>
+                      <a:endParaRPr lang="en-US" sz="1600" b="0" i="0" u="none" strike="noStrike" dirty="0">
+                        <a:solidFill>
+                          <a:srgbClr val="000000"/>
+                        </a:solidFill>
+                        <a:effectLst/>
+                        <a:latin typeface="Calibri" panose="020F0502020204030204" pitchFamily="34" charset="0"/>
+                      </a:endParaRPr>
+                    </a:p>
+                  </a:txBody>
+                  <a:tcPr marL="9525" marR="9525" marT="9525" marB="0" anchor="b"/>
+                </a:tc>
+                <a:tc>
+                  <a:txBody>
+                    <a:bodyPr/>
+                    <a:lstStyle/>
+                    <a:p>
+                      <a:pPr algn="l" fontAlgn="b"/>
+                      <a:r>
+                        <a:rPr lang="en-US" sz="1600" u="none" strike="noStrike">
+                          <a:effectLst/>
+                        </a:rPr>
+                        <a:t>Predicting sales with many ads metrics.</a:t>
+                      </a:r>
+                      <a:endParaRPr lang="en-US" sz="1600" b="0" i="0" u="none" strike="noStrike">
+                        <a:solidFill>
+                          <a:srgbClr val="000000"/>
+                        </a:solidFill>
+                        <a:effectLst/>
+                        <a:latin typeface="Calibri" panose="020F0502020204030204" pitchFamily="34" charset="0"/>
+                      </a:endParaRPr>
+                    </a:p>
+                  </a:txBody>
+                  <a:tcPr marL="9525" marR="9525" marT="9525" marB="0" anchor="b"/>
+                </a:tc>
+                <a:extLst>
+                  <a:ext uri="{0D108BD9-81ED-4DB2-BD59-A6C34878D82A}">
+                    <a16:rowId xmlns:a16="http://schemas.microsoft.com/office/drawing/2014/main" val="2395992550"/>
+                  </a:ext>
+                </a:extLst>
+              </a:tr>
+              <a:tr h="418148">
+                <a:tc>
+                  <a:txBody>
+                    <a:bodyPr/>
+                    <a:lstStyle/>
+                    <a:p>
+                      <a:pPr algn="l" fontAlgn="b"/>
+                      <a:r>
+                        <a:rPr lang="en-US" sz="1600" u="none" strike="noStrike">
+                          <a:effectLst/>
+                        </a:rPr>
+                        <a:t>5. Lasso Regression (L1)</a:t>
+                      </a:r>
+                      <a:endParaRPr lang="en-US" sz="1600" b="0" i="0" u="none" strike="noStrike">
+                        <a:solidFill>
+                          <a:srgbClr val="000000"/>
+                        </a:solidFill>
+                        <a:effectLst/>
+                        <a:latin typeface="Calibri" panose="020F0502020204030204" pitchFamily="34" charset="0"/>
+                      </a:endParaRPr>
+                    </a:p>
+                  </a:txBody>
+                  <a:tcPr marL="9525" marR="9525" marT="9525" marB="0" anchor="b"/>
+                </a:tc>
+                <a:tc>
+                  <a:txBody>
+                    <a:bodyPr/>
+                    <a:lstStyle/>
+                    <a:p>
+                      <a:pPr algn="l" fontAlgn="b"/>
+                      <a:r>
+                        <a:rPr lang="en-US" sz="1600" u="none" strike="noStrike" dirty="0">
+                          <a:effectLst/>
+                        </a:rPr>
+                        <a:t>Simplifying credit risk model.</a:t>
+                      </a:r>
+                      <a:endParaRPr lang="en-US" sz="1600" b="0" i="0" u="none" strike="noStrike" dirty="0">
+                        <a:solidFill>
+                          <a:srgbClr val="000000"/>
+                        </a:solidFill>
+                        <a:effectLst/>
+                        <a:latin typeface="Calibri" panose="020F0502020204030204" pitchFamily="34" charset="0"/>
+                      </a:endParaRPr>
+                    </a:p>
+                  </a:txBody>
+                  <a:tcPr marL="9525" marR="9525" marT="9525" marB="0" anchor="b"/>
+                </a:tc>
+                <a:extLst>
+                  <a:ext uri="{0D108BD9-81ED-4DB2-BD59-A6C34878D82A}">
+                    <a16:rowId xmlns:a16="http://schemas.microsoft.com/office/drawing/2014/main" val="969892378"/>
+                  </a:ext>
+                </a:extLst>
+              </a:tr>
+              <a:tr h="418148">
+                <a:tc>
+                  <a:txBody>
+                    <a:bodyPr/>
+                    <a:lstStyle/>
+                    <a:p>
+                      <a:pPr algn="l" fontAlgn="b"/>
+                      <a:r>
+                        <a:rPr lang="en-US" sz="1600" u="none" strike="noStrike">
+                          <a:effectLst/>
+                        </a:rPr>
+                        <a:t>6. Elastic Net</a:t>
+                      </a:r>
+                      <a:endParaRPr lang="en-US" sz="1600" b="0" i="0" u="none" strike="noStrike">
+                        <a:solidFill>
+                          <a:srgbClr val="000000"/>
+                        </a:solidFill>
+                        <a:effectLst/>
+                        <a:latin typeface="Calibri" panose="020F0502020204030204" pitchFamily="34" charset="0"/>
+                      </a:endParaRPr>
+                    </a:p>
+                  </a:txBody>
+                  <a:tcPr marL="9525" marR="9525" marT="9525" marB="0" anchor="b"/>
+                </a:tc>
+                <a:tc>
+                  <a:txBody>
+                    <a:bodyPr/>
+                    <a:lstStyle/>
+                    <a:p>
+                      <a:pPr algn="l" fontAlgn="b"/>
+                      <a:r>
+                        <a:rPr lang="en-US" sz="1600" u="none" strike="noStrike" dirty="0">
+                          <a:effectLst/>
+                        </a:rPr>
+                        <a:t>Text or gene data regression.</a:t>
+                      </a:r>
+                      <a:endParaRPr lang="en-US" sz="1600" b="0" i="0" u="none" strike="noStrike" dirty="0">
+                        <a:solidFill>
+                          <a:srgbClr val="000000"/>
+                        </a:solidFill>
+                        <a:effectLst/>
+                        <a:latin typeface="Calibri" panose="020F0502020204030204" pitchFamily="34" charset="0"/>
+                      </a:endParaRPr>
+                    </a:p>
+                  </a:txBody>
+                  <a:tcPr marL="9525" marR="9525" marT="9525" marB="0" anchor="b"/>
+                </a:tc>
+                <a:extLst>
+                  <a:ext uri="{0D108BD9-81ED-4DB2-BD59-A6C34878D82A}">
+                    <a16:rowId xmlns:a16="http://schemas.microsoft.com/office/drawing/2014/main" val="4189135202"/>
+                  </a:ext>
+                </a:extLst>
+              </a:tr>
+              <a:tr h="418148">
+                <a:tc>
+                  <a:txBody>
+                    <a:bodyPr/>
+                    <a:lstStyle/>
+                    <a:p>
+                      <a:pPr algn="l" fontAlgn="b"/>
+                      <a:r>
+                        <a:rPr lang="en-US" sz="1600" u="none" strike="noStrike">
+                          <a:effectLst/>
+                        </a:rPr>
+                        <a:t>7. Logistic Regression</a:t>
+                      </a:r>
+                      <a:endParaRPr lang="en-US" sz="1600" b="0" i="0" u="none" strike="noStrike">
+                        <a:solidFill>
+                          <a:srgbClr val="000000"/>
+                        </a:solidFill>
+                        <a:effectLst/>
+                        <a:latin typeface="Calibri" panose="020F0502020204030204" pitchFamily="34" charset="0"/>
+                      </a:endParaRPr>
+                    </a:p>
+                  </a:txBody>
+                  <a:tcPr marL="9525" marR="9525" marT="9525" marB="0" anchor="b"/>
+                </a:tc>
+                <a:tc>
+                  <a:txBody>
+                    <a:bodyPr/>
+                    <a:lstStyle/>
+                    <a:p>
+                      <a:pPr algn="l" fontAlgn="b"/>
+                      <a:r>
+                        <a:rPr lang="en-US" sz="1600" u="none" strike="noStrike" dirty="0">
+                          <a:effectLst/>
+                        </a:rPr>
+                        <a:t>Will customer buy? (0/1).</a:t>
+                      </a:r>
+                      <a:endParaRPr lang="en-US" sz="1600" b="0" i="0" u="none" strike="noStrike" dirty="0">
+                        <a:solidFill>
+                          <a:srgbClr val="000000"/>
+                        </a:solidFill>
+                        <a:effectLst/>
+                        <a:latin typeface="Calibri" panose="020F0502020204030204" pitchFamily="34" charset="0"/>
+                      </a:endParaRPr>
+                    </a:p>
+                  </a:txBody>
+                  <a:tcPr marL="9525" marR="9525" marT="9525" marB="0" anchor="b"/>
+                </a:tc>
+                <a:extLst>
+                  <a:ext uri="{0D108BD9-81ED-4DB2-BD59-A6C34878D82A}">
+                    <a16:rowId xmlns:a16="http://schemas.microsoft.com/office/drawing/2014/main" val="2595675127"/>
+                  </a:ext>
+                </a:extLst>
+              </a:tr>
+              <a:tr h="418148">
+                <a:tc>
+                  <a:txBody>
+                    <a:bodyPr/>
+                    <a:lstStyle/>
+                    <a:p>
+                      <a:pPr algn="l" fontAlgn="b"/>
+                      <a:r>
+                        <a:rPr lang="en-US" sz="1600" u="none" strike="noStrike">
+                          <a:effectLst/>
+                        </a:rPr>
+                        <a:t>8. Stepwise Regression</a:t>
+                      </a:r>
+                      <a:endParaRPr lang="en-US" sz="1600" b="0" i="0" u="none" strike="noStrike">
+                        <a:solidFill>
+                          <a:srgbClr val="000000"/>
+                        </a:solidFill>
+                        <a:effectLst/>
+                        <a:latin typeface="Calibri" panose="020F0502020204030204" pitchFamily="34" charset="0"/>
+                      </a:endParaRPr>
+                    </a:p>
+                  </a:txBody>
+                  <a:tcPr marL="9525" marR="9525" marT="9525" marB="0" anchor="b"/>
+                </a:tc>
+                <a:tc>
+                  <a:txBody>
+                    <a:bodyPr/>
+                    <a:lstStyle/>
+                    <a:p>
+                      <a:pPr algn="l" fontAlgn="b"/>
+                      <a:r>
+                        <a:rPr lang="en-US" sz="1600" u="none" strike="noStrike" dirty="0">
+                          <a:effectLst/>
+                        </a:rPr>
+                        <a:t>Marketing factor selection.</a:t>
+                      </a:r>
+                      <a:endParaRPr lang="en-US" sz="1600" b="0" i="0" u="none" strike="noStrike" dirty="0">
+                        <a:solidFill>
+                          <a:srgbClr val="000000"/>
+                        </a:solidFill>
+                        <a:effectLst/>
+                        <a:latin typeface="Calibri" panose="020F0502020204030204" pitchFamily="34" charset="0"/>
+                      </a:endParaRPr>
+                    </a:p>
+                  </a:txBody>
+                  <a:tcPr marL="9525" marR="9525" marT="9525" marB="0" anchor="b"/>
+                </a:tc>
+                <a:extLst>
+                  <a:ext uri="{0D108BD9-81ED-4DB2-BD59-A6C34878D82A}">
+                    <a16:rowId xmlns:a16="http://schemas.microsoft.com/office/drawing/2014/main" val="466306604"/>
+                  </a:ext>
+                </a:extLst>
+              </a:tr>
+              <a:tr h="418148">
+                <a:tc>
+                  <a:txBody>
+                    <a:bodyPr/>
+                    <a:lstStyle/>
+                    <a:p>
+                      <a:pPr algn="l" fontAlgn="b"/>
+                      <a:r>
+                        <a:rPr lang="en-US" sz="1600" u="none" strike="noStrike">
+                          <a:effectLst/>
+                        </a:rPr>
+                        <a:t>9. Quantile Regression</a:t>
+                      </a:r>
+                      <a:endParaRPr lang="en-US" sz="1600" b="0" i="0" u="none" strike="noStrike">
+                        <a:solidFill>
+                          <a:srgbClr val="000000"/>
+                        </a:solidFill>
+                        <a:effectLst/>
+                        <a:latin typeface="Calibri" panose="020F0502020204030204" pitchFamily="34" charset="0"/>
+                      </a:endParaRPr>
+                    </a:p>
+                  </a:txBody>
+                  <a:tcPr marL="9525" marR="9525" marT="9525" marB="0" anchor="b"/>
+                </a:tc>
+                <a:tc>
+                  <a:txBody>
+                    <a:bodyPr/>
+                    <a:lstStyle/>
+                    <a:p>
+                      <a:pPr algn="l" fontAlgn="b"/>
+                      <a:r>
+                        <a:rPr lang="en-US" sz="1600" u="none" strike="noStrike" dirty="0">
+                          <a:effectLst/>
+                        </a:rPr>
+                        <a:t>Predicting median house prices.</a:t>
+                      </a:r>
+                      <a:endParaRPr lang="en-US" sz="1600" b="0" i="0" u="none" strike="noStrike" dirty="0">
+                        <a:solidFill>
+                          <a:srgbClr val="000000"/>
+                        </a:solidFill>
+                        <a:effectLst/>
+                        <a:latin typeface="Calibri" panose="020F0502020204030204" pitchFamily="34" charset="0"/>
+                      </a:endParaRPr>
+                    </a:p>
+                  </a:txBody>
+                  <a:tcPr marL="9525" marR="9525" marT="9525" marB="0" anchor="b"/>
+                </a:tc>
+                <a:extLst>
+                  <a:ext uri="{0D108BD9-81ED-4DB2-BD59-A6C34878D82A}">
+                    <a16:rowId xmlns:a16="http://schemas.microsoft.com/office/drawing/2014/main" val="2332671078"/>
+                  </a:ext>
+                </a:extLst>
+              </a:tr>
+              <a:tr h="418148">
+                <a:tc>
+                  <a:txBody>
+                    <a:bodyPr/>
+                    <a:lstStyle/>
+                    <a:p>
+                      <a:pPr algn="l" fontAlgn="b"/>
+                      <a:r>
+                        <a:rPr lang="en-US" sz="1600" u="none" strike="noStrike">
+                          <a:effectLst/>
+                        </a:rPr>
+                        <a:t>10. SVR (Support Vector Regression)</a:t>
+                      </a:r>
+                      <a:endParaRPr lang="en-US" sz="1600" b="0" i="0" u="none" strike="noStrike">
+                        <a:solidFill>
+                          <a:srgbClr val="000000"/>
+                        </a:solidFill>
+                        <a:effectLst/>
+                        <a:latin typeface="Calibri" panose="020F0502020204030204" pitchFamily="34" charset="0"/>
+                      </a:endParaRPr>
+                    </a:p>
+                  </a:txBody>
+                  <a:tcPr marL="9525" marR="9525" marT="9525" marB="0" anchor="b"/>
+                </a:tc>
+                <a:tc>
+                  <a:txBody>
+                    <a:bodyPr/>
+                    <a:lstStyle/>
+                    <a:p>
+                      <a:pPr algn="l" fontAlgn="b"/>
+                      <a:r>
+                        <a:rPr lang="en-US" sz="1600" u="none" strike="noStrike" dirty="0">
+                          <a:effectLst/>
+                        </a:rPr>
+                        <a:t>Predicting stock returns.</a:t>
+                      </a:r>
+                      <a:endParaRPr lang="en-US" sz="1600" b="0" i="0" u="none" strike="noStrike" dirty="0">
+                        <a:solidFill>
+                          <a:srgbClr val="000000"/>
+                        </a:solidFill>
+                        <a:effectLst/>
+                        <a:latin typeface="Calibri" panose="020F0502020204030204" pitchFamily="34" charset="0"/>
+                      </a:endParaRPr>
+                    </a:p>
+                  </a:txBody>
+                  <a:tcPr marL="9525" marR="9525" marT="9525" marB="0" anchor="b"/>
+                </a:tc>
+                <a:extLst>
+                  <a:ext uri="{0D108BD9-81ED-4DB2-BD59-A6C34878D82A}">
+                    <a16:rowId xmlns:a16="http://schemas.microsoft.com/office/drawing/2014/main" val="1991182372"/>
+                  </a:ext>
+                </a:extLst>
+              </a:tr>
+              <a:tr h="418148">
+                <a:tc>
+                  <a:txBody>
+                    <a:bodyPr/>
+                    <a:lstStyle/>
+                    <a:p>
+                      <a:pPr algn="l" fontAlgn="b"/>
+                      <a:r>
+                        <a:rPr lang="en-US" sz="1600" u="none" strike="noStrike" dirty="0">
+                          <a:effectLst/>
+                        </a:rPr>
+                        <a:t>11. Decision Tree Regression</a:t>
+                      </a:r>
+                      <a:endParaRPr lang="en-US" sz="1600" b="0" i="0" u="none" strike="noStrike" dirty="0">
+                        <a:solidFill>
+                          <a:srgbClr val="000000"/>
+                        </a:solidFill>
+                        <a:effectLst/>
+                        <a:latin typeface="Calibri" panose="020F0502020204030204" pitchFamily="34" charset="0"/>
+                      </a:endParaRPr>
+                    </a:p>
+                  </a:txBody>
+                  <a:tcPr marL="9525" marR="9525" marT="9525" marB="0" anchor="b"/>
+                </a:tc>
+                <a:tc>
+                  <a:txBody>
+                    <a:bodyPr/>
+                    <a:lstStyle/>
+                    <a:p>
+                      <a:pPr algn="l" fontAlgn="b"/>
+                      <a:r>
+                        <a:rPr lang="en-US" sz="1600" u="none" strike="noStrike" dirty="0">
+                          <a:effectLst/>
+                        </a:rPr>
+                        <a:t>Predict electricity usage.</a:t>
+                      </a:r>
+                      <a:endParaRPr lang="en-US" sz="1600" b="0" i="0" u="none" strike="noStrike" dirty="0">
+                        <a:solidFill>
+                          <a:srgbClr val="000000"/>
+                        </a:solidFill>
+                        <a:effectLst/>
+                        <a:latin typeface="Calibri" panose="020F0502020204030204" pitchFamily="34" charset="0"/>
+                      </a:endParaRPr>
+                    </a:p>
+                  </a:txBody>
+                  <a:tcPr marL="9525" marR="9525" marT="9525" marB="0" anchor="b"/>
+                </a:tc>
+                <a:extLst>
+                  <a:ext uri="{0D108BD9-81ED-4DB2-BD59-A6C34878D82A}">
+                    <a16:rowId xmlns:a16="http://schemas.microsoft.com/office/drawing/2014/main" val="2922939302"/>
+                  </a:ext>
+                </a:extLst>
+              </a:tr>
+            </a:tbl>
+          </a:graphicData>
+        </a:graphic>
+      </p:graphicFrame>
     </p:spTree>
+    <p:extLst>
+      <p:ext uri="{BB962C8B-B14F-4D97-AF65-F5344CB8AC3E}">
+        <p14:creationId xmlns:p14="http://schemas.microsoft.com/office/powerpoint/2010/main" val="3969185503"/>
+      </p:ext>
+    </p:extLst>
   </p:cSld>
   <p:clrMapOvr>
     <a:masterClrMapping/>
@@ -6739,19 +10219,13 @@
             <p:ph type="title"/>
           </p:nvPr>
         </p:nvSpPr>
-        <p:spPr>
-          <a:xfrm>
-            <a:off x="457200" y="163126"/>
-            <a:ext cx="8229600" cy="1143000"/>
-          </a:xfrm>
-        </p:spPr>
+        <p:spPr/>
         <p:txBody>
           <a:bodyPr/>
           <a:lstStyle/>
           <a:p>
             <a:r>
-              <a:rPr dirty="0"/>
-              <a:t>Unsupervised Learning</a:t>
+              <a:t>Classification</a:t>
             </a:r>
           </a:p>
         </p:txBody>
@@ -6769,157 +10243,60 @@
         <p:spPr/>
         <p:txBody>
           <a:bodyPr>
-            <a:normAutofit fontScale="62500" lnSpcReduction="20000"/>
+            <a:normAutofit fontScale="92500" lnSpcReduction="20000"/>
           </a:bodyPr>
           <a:lstStyle/>
           <a:p>
             <a:r>
               <a:rPr dirty="0"/>
-              <a:t>Unsupervised learning finds hidden patterns in unlabeled data</a:t>
-            </a:r>
-            <a:r>
-              <a:rPr dirty="0" smtClean="0"/>
-              <a:t>.</a:t>
-            </a:r>
-            <a:endParaRPr lang="en-US" dirty="0" smtClean="0"/>
-          </a:p>
-          <a:p>
-            <a:pPr marL="400050" lvl="1" indent="0">
-              <a:buNone/>
-            </a:pPr>
-            <a:r>
-              <a:rPr lang="en-US" dirty="0"/>
-              <a:t>Now, there’s </a:t>
-            </a:r>
-            <a:r>
-              <a:rPr lang="en-US" b="1" dirty="0"/>
-              <a:t>no teacher</a:t>
-            </a:r>
-            <a:r>
-              <a:rPr lang="en-US" dirty="0"/>
-              <a:t> — we give the machine data </a:t>
-            </a:r>
-            <a:r>
-              <a:rPr lang="en-US" b="1" dirty="0"/>
-              <a:t>without answers</a:t>
-            </a:r>
-            <a:r>
-              <a:rPr lang="en-US" dirty="0"/>
-              <a:t>,</a:t>
-            </a:r>
-            <a:endParaRPr lang="en-US" dirty="0"/>
-          </a:p>
-          <a:p>
-            <a:pPr marL="400050" lvl="1" indent="0">
-              <a:buNone/>
-            </a:pPr>
-            <a:r>
-              <a:rPr lang="en-US" dirty="0"/>
-              <a:t>and it tries to find </a:t>
-            </a:r>
-            <a:r>
-              <a:rPr lang="en-US" b="1" dirty="0"/>
-              <a:t>hidden patterns</a:t>
-            </a:r>
-            <a:r>
-              <a:rPr lang="en-US" dirty="0"/>
-              <a:t> or </a:t>
-            </a:r>
-            <a:r>
-              <a:rPr lang="en-US" b="1" dirty="0"/>
-              <a:t>natural groups</a:t>
-            </a:r>
-            <a:r>
-              <a:rPr lang="en-US" dirty="0"/>
-              <a:t> on its own.</a:t>
-            </a:r>
-            <a:endParaRPr dirty="0" smtClean="0"/>
-          </a:p>
-          <a:p>
-            <a:pPr marL="0" indent="0">
-              <a:buNone/>
-            </a:pPr>
-            <a:endParaRPr lang="en-US" dirty="0" smtClean="0"/>
-          </a:p>
-          <a:p>
-            <a:pPr marL="0" indent="0">
-              <a:buNone/>
-            </a:pPr>
-            <a:r>
-              <a:rPr dirty="0" smtClean="0"/>
-              <a:t>Types</a:t>
-            </a:r>
+              <a:t>Classification predicts categories from input features.</a:t>
+            </a:r>
+          </a:p>
+          <a:p>
+            <a:endParaRPr dirty="0"/>
+          </a:p>
+          <a:p>
             <a:r>
               <a:rPr dirty="0"/>
-              <a:t>:</a:t>
-            </a:r>
-          </a:p>
-          <a:p>
-            <a:r>
-              <a:rPr dirty="0" smtClean="0"/>
-              <a:t>Clustering </a:t>
-            </a:r>
+              <a:t>Types:</a:t>
+            </a:r>
+          </a:p>
+          <a:p>
             <a:r>
               <a:rPr dirty="0"/>
-              <a:t>— Groups similar items</a:t>
-            </a:r>
-          </a:p>
-          <a:p>
-            <a:r>
-              <a:rPr dirty="0" smtClean="0"/>
-              <a:t>Dimensionality </a:t>
-            </a:r>
+              <a:t>• Binary: Spam/Not Spam</a:t>
+            </a:r>
+          </a:p>
+          <a:p>
             <a:r>
               <a:rPr dirty="0"/>
-              <a:t>Reduction — Simplifies features (e.g., PCA)</a:t>
-            </a:r>
-          </a:p>
-          <a:p>
-            <a:r>
-              <a:rPr dirty="0" smtClean="0"/>
-              <a:t>Association </a:t>
-            </a:r>
+              <a:t>• Multiclass: Cat/Dog/Bird</a:t>
+            </a:r>
+          </a:p>
+          <a:p>
             <a:r>
               <a:rPr dirty="0"/>
-              <a:t>Rule Learning — Finds relationships</a:t>
-            </a:r>
-          </a:p>
-          <a:p>
-            <a:r>
-              <a:rPr dirty="0" smtClean="0"/>
-              <a:t>Anomaly </a:t>
+              <a:t>• </a:t>
+            </a:r>
+            <a:r>
+              <a:rPr dirty="0" err="1"/>
+              <a:t>Multilabel</a:t>
             </a:r>
             <a:r>
               <a:rPr dirty="0"/>
-              <a:t>Detection — Finds outliers</a:t>
-            </a:r>
-          </a:p>
-          <a:p>
-            <a:r>
-              <a:rPr dirty="0" smtClean="0"/>
-              <a:t>Auto</a:t>
-            </a:r>
-            <a:r>
-              <a:rPr lang="en-US" dirty="0" smtClean="0"/>
-              <a:t> E</a:t>
-            </a:r>
-            <a:r>
-              <a:rPr dirty="0" smtClean="0"/>
-              <a:t>ncoders </a:t>
-            </a:r>
+              <a:t>: Sports &amp; Politics</a:t>
+            </a:r>
+          </a:p>
+          <a:p>
             <a:r>
               <a:rPr dirty="0"/>
-              <a:t>— Compress &amp; reconstruct data</a:t>
-            </a:r>
-          </a:p>
-          <a:p>
-            <a:r>
-              <a:rPr dirty="0" smtClean="0"/>
-              <a:t>Density </a:t>
-            </a:r>
+              <a:t>• Ordinal: Poor–Average–Good–Excellent</a:t>
+            </a:r>
+          </a:p>
+          <a:p>
             <a:r>
               <a:rPr dirty="0"/>
-              <a:t>Estimation — Learns data distribution</a:t>
+              <a:t>• Imbalanced: Fraud detection</a:t>
             </a:r>
           </a:p>
         </p:txBody>
@@ -6959,51 +10336,196 @@
             <p:ph type="title"/>
           </p:nvPr>
         </p:nvSpPr>
-        <p:spPr/>
+        <p:spPr>
+          <a:xfrm>
+            <a:off x="256478" y="1099829"/>
+            <a:ext cx="8229600" cy="1143000"/>
+          </a:xfrm>
+        </p:spPr>
         <p:txBody>
           <a:bodyPr/>
           <a:lstStyle/>
           <a:p>
             <a:r>
-              <a:rPr lang="en-US" dirty="0" smtClean="0"/>
-              <a:t>Main Algorithms</a:t>
-            </a:r>
-            <a:endParaRPr lang="en-US" dirty="0"/>
-          </a:p>
-        </p:txBody>
-      </p:sp>
-      <p:pic>
-        <p:nvPicPr>
-          <p:cNvPr id="6" name="Content Placeholder 5"/>
-          <p:cNvPicPr>
-            <a:picLocks noGrp="1" noChangeAspect="1"/>
-          </p:cNvPicPr>
+              <a:rPr dirty="0"/>
+              <a:t>Unsupervised Learning</a:t>
+            </a:r>
+          </a:p>
+        </p:txBody>
+      </p:sp>
+      <p:sp>
+        <p:nvSpPr>
+          <p:cNvPr id="3" name="Content Placeholder 2"/>
+          <p:cNvSpPr>
+            <a:spLocks noGrp="1"/>
+          </p:cNvSpPr>
           <p:nvPr>
             <p:ph idx="1"/>
           </p:nvPr>
-        </p:nvPicPr>
-        <p:blipFill>
-          <a:blip r:embed="rId2"/>
-          <a:stretch>
-            <a:fillRect/>
-          </a:stretch>
-        </p:blipFill>
-        <p:spPr>
-          <a:xfrm>
-            <a:off x="2077096" y="2490788"/>
-            <a:ext cx="4997745" cy="3444875"/>
-          </a:xfrm>
-          <a:prstGeom prst="rect">
-            <a:avLst/>
-          </a:prstGeom>
-        </p:spPr>
-      </p:pic>
+        </p:nvSpPr>
+        <p:spPr/>
+        <p:txBody>
+          <a:bodyPr>
+            <a:normAutofit fontScale="40000" lnSpcReduction="20000"/>
+          </a:bodyPr>
+          <a:lstStyle/>
+          <a:p>
+            <a:pPr algn="just"/>
+            <a:r>
+              <a:rPr sz="4500" dirty="0"/>
+              <a:t>Unsupervised learning finds hidden patterns in unlabeled data</a:t>
+            </a:r>
+            <a:r>
+              <a:rPr sz="4500" dirty="0" smtClean="0"/>
+              <a:t>.</a:t>
+            </a:r>
+            <a:endParaRPr lang="en-US" sz="4500" dirty="0" smtClean="0"/>
+          </a:p>
+          <a:p>
+            <a:pPr marL="400050" lvl="1" indent="0" algn="just">
+              <a:buNone/>
+            </a:pPr>
+            <a:r>
+              <a:rPr lang="en-US" sz="4000" dirty="0"/>
+              <a:t>Now, there’s </a:t>
+            </a:r>
+            <a:r>
+              <a:rPr lang="en-US" sz="4000" b="1" dirty="0"/>
+              <a:t>no teacher</a:t>
+            </a:r>
+            <a:r>
+              <a:rPr lang="en-US" sz="4000" dirty="0"/>
+              <a:t> — we give the machine data </a:t>
+            </a:r>
+            <a:r>
+              <a:rPr lang="en-US" sz="4000" b="1" dirty="0"/>
+              <a:t>without answers</a:t>
+            </a:r>
+            <a:r>
+              <a:rPr lang="en-US" sz="4000" dirty="0"/>
+              <a:t>,</a:t>
+            </a:r>
+          </a:p>
+          <a:p>
+            <a:pPr marL="400050" lvl="1" indent="0" algn="just">
+              <a:buNone/>
+            </a:pPr>
+            <a:r>
+              <a:rPr lang="en-US" sz="4000" dirty="0"/>
+              <a:t>and it tries to find </a:t>
+            </a:r>
+            <a:r>
+              <a:rPr lang="en-US" sz="4000" b="1" dirty="0"/>
+              <a:t>hidden patterns</a:t>
+            </a:r>
+            <a:r>
+              <a:rPr lang="en-US" sz="4000" dirty="0"/>
+              <a:t> or </a:t>
+            </a:r>
+            <a:r>
+              <a:rPr lang="en-US" sz="4000" b="1" dirty="0"/>
+              <a:t>natural groups</a:t>
+            </a:r>
+            <a:r>
+              <a:rPr lang="en-US" sz="4000" dirty="0"/>
+              <a:t> on its own</a:t>
+            </a:r>
+            <a:r>
+              <a:rPr lang="en-US" sz="2900" dirty="0"/>
+              <a:t>.</a:t>
+            </a:r>
+            <a:endParaRPr sz="2900" dirty="0" smtClean="0"/>
+          </a:p>
+          <a:p>
+            <a:pPr marL="0" indent="0">
+              <a:buNone/>
+            </a:pPr>
+            <a:endParaRPr lang="en-US" dirty="0" smtClean="0"/>
+          </a:p>
+          <a:p>
+            <a:pPr marL="0" indent="0">
+              <a:buNone/>
+            </a:pPr>
+            <a:r>
+              <a:rPr sz="3800" dirty="0" smtClean="0"/>
+              <a:t>Types</a:t>
+            </a:r>
+            <a:r>
+              <a:rPr sz="3800" dirty="0"/>
+              <a:t>:</a:t>
+            </a:r>
+          </a:p>
+          <a:p>
+            <a:r>
+              <a:rPr sz="3800" dirty="0" smtClean="0"/>
+              <a:t>Clustering </a:t>
+            </a:r>
+            <a:r>
+              <a:rPr sz="3800" dirty="0"/>
+              <a:t>— Groups similar items</a:t>
+            </a:r>
+          </a:p>
+          <a:p>
+            <a:r>
+              <a:rPr sz="3800" dirty="0" smtClean="0"/>
+              <a:t>Dimensionality </a:t>
+            </a:r>
+            <a:r>
+              <a:rPr sz="3800" dirty="0"/>
+              <a:t>Reduction — Simplifies features (e.g., PCA)</a:t>
+            </a:r>
+          </a:p>
+          <a:p>
+            <a:r>
+              <a:rPr sz="3800" dirty="0" smtClean="0"/>
+              <a:t>Association </a:t>
+            </a:r>
+            <a:r>
+              <a:rPr sz="3800" dirty="0"/>
+              <a:t>Rule Learning — Finds relationships</a:t>
+            </a:r>
+          </a:p>
+          <a:p>
+            <a:r>
+              <a:rPr sz="3800" dirty="0" smtClean="0"/>
+              <a:t>Anomaly </a:t>
+            </a:r>
+            <a:r>
+              <a:rPr sz="3800" dirty="0"/>
+              <a:t>Detection — Finds outliers</a:t>
+            </a:r>
+          </a:p>
+          <a:p>
+            <a:r>
+              <a:rPr sz="3800" dirty="0" smtClean="0"/>
+              <a:t>Auto</a:t>
+            </a:r>
+            <a:r>
+              <a:rPr lang="en-US" sz="3800" dirty="0" smtClean="0"/>
+              <a:t> E</a:t>
+            </a:r>
+            <a:r>
+              <a:rPr sz="3800" dirty="0" smtClean="0"/>
+              <a:t>ncoders </a:t>
+            </a:r>
+            <a:r>
+              <a:rPr sz="3800" dirty="0"/>
+              <a:t>— Compress &amp; reconstruct data</a:t>
+            </a:r>
+          </a:p>
+          <a:p>
+            <a:r>
+              <a:rPr sz="3800" dirty="0" smtClean="0"/>
+              <a:t>Density </a:t>
+            </a:r>
+            <a:r>
+              <a:rPr sz="3800" dirty="0"/>
+              <a:t>Estimation — Learns data distribution</a:t>
+            </a:r>
+          </a:p>
+        </p:txBody>
+      </p:sp>
     </p:spTree>
-    <p:extLst>
-      <p:ext uri="{BB962C8B-B14F-4D97-AF65-F5344CB8AC3E}">
-        <p14:creationId xmlns:p14="http://schemas.microsoft.com/office/powerpoint/2010/main" val="3495642022"/>
-      </p:ext>
-    </p:extLst>
   </p:cSld>
   <p:clrMapOvr>
     <a:masterClrMapping/>
@@ -7044,78 +10566,45 @@
           <a:lstStyle/>
           <a:p>
             <a:r>
-              <a:t>Python vs C#</a:t>
-            </a:r>
-          </a:p>
-        </p:txBody>
-      </p:sp>
-      <p:sp>
-        <p:nvSpPr>
-          <p:cNvPr id="3" name="Content Placeholder 2"/>
-          <p:cNvSpPr>
-            <a:spLocks noGrp="1"/>
-          </p:cNvSpPr>
+              <a:rPr lang="en-US" dirty="0" smtClean="0"/>
+              <a:t>Main Algorithms</a:t>
+            </a:r>
+            <a:endParaRPr lang="en-US" dirty="0"/>
+          </a:p>
+        </p:txBody>
+      </p:sp>
+      <p:pic>
+        <p:nvPicPr>
+          <p:cNvPr id="6" name="Content Placeholder 5"/>
+          <p:cNvPicPr>
+            <a:picLocks noGrp="1" noChangeAspect="1"/>
+          </p:cNvPicPr>
           <p:nvPr>
             <p:ph idx="1"/>
           </p:nvPr>
-        </p:nvSpPr>
-        <p:spPr/>
-        <p:txBody>
-          <a:bodyPr>
-            <a:normAutofit fontScale="70000" lnSpcReduction="20000"/>
-          </a:bodyPr>
-          <a:lstStyle/>
-          <a:p>
-            <a:r>
-              <a:t>Python:</a:t>
-            </a:r>
-          </a:p>
-          <a:p>
-            <a:r>
-              <a:t>• Rich ML ecosystem (scikit-learn, PyTorch)</a:t>
-            </a:r>
-          </a:p>
-          <a:p>
-            <a:r>
-              <a:t>• Easy data handling (pandas, matplotlib)</a:t>
-            </a:r>
-          </a:p>
-          <a:p>
-            <a:r>
-              <a:t>• Ideal for EDA and learning</a:t>
-            </a:r>
-          </a:p>
-          <a:p>
-            <a:r>
-              <a:t>• Industry standard for ML</a:t>
-            </a:r>
-          </a:p>
-          <a:p>
-            <a:endParaRPr/>
-          </a:p>
-          <a:p>
-            <a:r>
-              <a:t>C#:</a:t>
-            </a:r>
-          </a:p>
-          <a:p>
-            <a:r>
-              <a:t>• Good for production integration</a:t>
-            </a:r>
-          </a:p>
-          <a:p>
-            <a:r>
-              <a:t>• ML.NET, LightGBM support</a:t>
-            </a:r>
-          </a:p>
-          <a:p>
-            <a:r>
-              <a:t>• Can use ONNX models from Python</a:t>
-            </a:r>
-          </a:p>
-        </p:txBody>
-      </p:sp>
+        </p:nvPicPr>
+        <p:blipFill>
+          <a:blip r:embed="rId2"/>
+          <a:stretch>
+            <a:fillRect/>
+          </a:stretch>
+        </p:blipFill>
+        <p:spPr>
+          <a:xfrm>
+            <a:off x="1059366" y="2490788"/>
+            <a:ext cx="7125629" cy="3444875"/>
+          </a:xfrm>
+          <a:prstGeom prst="rect">
+            <a:avLst/>
+          </a:prstGeom>
+        </p:spPr>
+      </p:pic>
     </p:spTree>
+    <p:extLst>
+      <p:ext uri="{BB962C8B-B14F-4D97-AF65-F5344CB8AC3E}">
+        <p14:creationId xmlns:p14="http://schemas.microsoft.com/office/powerpoint/2010/main" val="3495642022"/>
+      </p:ext>
+    </p:extLst>
   </p:cSld>
   <p:clrMapOvr>
     <a:masterClrMapping/>
